--- a/05-outputs/tables/tbl3-mixed-effects.pptx
+++ b/05-outputs/tables/tbl3-mixed-effects.pptx
@@ -2308,7 +2308,7 @@
                     </a:lnR>
                     <a:lnT algn="ctr" cmpd="sng" cap="flat" w="19050">
                       <a:solidFill>
-                        <a:srgbClr val="BEBEBE">
+                        <a:srgbClr val="333333">
                           <a:alpha val="100000"/>
                         </a:srgbClr>
                       </a:solidFill>
@@ -2316,7 +2316,7 @@
                     </a:lnT>
                     <a:lnB algn="ctr" cmpd="sng" cap="flat" w="19050">
                       <a:solidFill>
-                        <a:srgbClr val="BEBEBE">
+                        <a:srgbClr val="333333">
                           <a:alpha val="100000"/>
                         </a:srgbClr>
                       </a:solidFill>
@@ -2373,7 +2373,7 @@
                     </a:lnR>
                     <a:lnT algn="ctr" cmpd="sng" cap="flat" w="19050">
                       <a:solidFill>
-                        <a:srgbClr val="BEBEBE">
+                        <a:srgbClr val="333333">
                           <a:alpha val="100000"/>
                         </a:srgbClr>
                       </a:solidFill>
@@ -2381,7 +2381,7 @@
                     </a:lnT>
                     <a:lnB algn="ctr" cmpd="sng" cap="flat" w="19050">
                       <a:solidFill>
-                        <a:srgbClr val="BEBEBE">
+                        <a:srgbClr val="333333">
                           <a:alpha val="100000"/>
                         </a:srgbClr>
                       </a:solidFill>
@@ -2438,7 +2438,7 @@
                     </a:lnR>
                     <a:lnT algn="ctr" cmpd="sng" cap="flat" w="19050">
                       <a:solidFill>
-                        <a:srgbClr val="BEBEBE">
+                        <a:srgbClr val="333333">
                           <a:alpha val="100000"/>
                         </a:srgbClr>
                       </a:solidFill>
@@ -2446,7 +2446,7 @@
                     </a:lnT>
                     <a:lnB algn="ctr" cmpd="sng" cap="flat" w="19050">
                       <a:solidFill>
-                        <a:srgbClr val="BEBEBE">
+                        <a:srgbClr val="333333">
                           <a:alpha val="100000"/>
                         </a:srgbClr>
                       </a:solidFill>
@@ -2503,7 +2503,7 @@
                     </a:lnR>
                     <a:lnT algn="ctr" cmpd="sng" cap="flat" w="19050">
                       <a:solidFill>
-                        <a:srgbClr val="BEBEBE">
+                        <a:srgbClr val="333333">
                           <a:alpha val="100000"/>
                         </a:srgbClr>
                       </a:solidFill>
@@ -2511,7 +2511,7 @@
                     </a:lnT>
                     <a:lnB algn="ctr" cmpd="sng" cap="flat" w="19050">
                       <a:solidFill>
-                        <a:srgbClr val="BEBEBE">
+                        <a:srgbClr val="333333">
                           <a:alpha val="100000"/>
                         </a:srgbClr>
                       </a:solidFill>
@@ -2574,7 +2574,7 @@
                     </a:lnT>
                     <a:lnB algn="ctr" cmpd="sng" cap="flat" w="9525">
                       <a:solidFill>
-                        <a:srgbClr val="BEBEBE">
+                        <a:srgbClr val="333333">
                           <a:alpha val="100000"/>
                         </a:srgbClr>
                       </a:solidFill>
@@ -2635,7 +2635,7 @@
                     </a:lnT>
                     <a:lnB algn="ctr" cmpd="sng" cap="flat" w="9525">
                       <a:solidFill>
-                        <a:srgbClr val="BEBEBE">
+                        <a:srgbClr val="333333">
                           <a:alpha val="100000"/>
                         </a:srgbClr>
                       </a:solidFill>
@@ -2696,7 +2696,7 @@
                     </a:lnT>
                     <a:lnB algn="ctr" cmpd="sng" cap="flat" w="9525">
                       <a:solidFill>
-                        <a:srgbClr val="BEBEBE">
+                        <a:srgbClr val="333333">
                           <a:alpha val="100000"/>
                         </a:srgbClr>
                       </a:solidFill>
@@ -2757,7 +2757,7 @@
                     </a:lnT>
                     <a:lnB algn="ctr" cmpd="sng" cap="flat" w="9525">
                       <a:solidFill>
-                        <a:srgbClr val="BEBEBE">
+                        <a:srgbClr val="333333">
                           <a:alpha val="100000"/>
                         </a:srgbClr>
                       </a:solidFill>
@@ -2816,7 +2816,7 @@
                     </a:lnR>
                     <a:lnT algn="ctr" cmpd="sng" cap="flat" w="9525">
                       <a:solidFill>
-                        <a:srgbClr val="BEBEBE">
+                        <a:srgbClr val="333333">
                           <a:alpha val="100000"/>
                         </a:srgbClr>
                       </a:solidFill>
@@ -2824,7 +2824,7 @@
                     </a:lnT>
                     <a:lnB algn="ctr" cmpd="sng" cap="flat" w="9525">
                       <a:solidFill>
-                        <a:srgbClr val="BEBEBE">
+                        <a:srgbClr val="333333">
                           <a:alpha val="100000"/>
                         </a:srgbClr>
                       </a:solidFill>
@@ -2881,7 +2881,7 @@
                     </a:lnR>
                     <a:lnT algn="ctr" cmpd="sng" cap="flat" w="9525">
                       <a:solidFill>
-                        <a:srgbClr val="BEBEBE">
+                        <a:srgbClr val="333333">
                           <a:alpha val="100000"/>
                         </a:srgbClr>
                       </a:solidFill>
@@ -2889,7 +2889,7 @@
                     </a:lnT>
                     <a:lnB algn="ctr" cmpd="sng" cap="flat" w="9525">
                       <a:solidFill>
-                        <a:srgbClr val="BEBEBE">
+                        <a:srgbClr val="333333">
                           <a:alpha val="100000"/>
                         </a:srgbClr>
                       </a:solidFill>
@@ -2946,7 +2946,7 @@
                     </a:lnR>
                     <a:lnT algn="ctr" cmpd="sng" cap="flat" w="9525">
                       <a:solidFill>
-                        <a:srgbClr val="BEBEBE">
+                        <a:srgbClr val="333333">
                           <a:alpha val="100000"/>
                         </a:srgbClr>
                       </a:solidFill>
@@ -2954,7 +2954,7 @@
                     </a:lnT>
                     <a:lnB algn="ctr" cmpd="sng" cap="flat" w="9525">
                       <a:solidFill>
-                        <a:srgbClr val="BEBEBE">
+                        <a:srgbClr val="333333">
                           <a:alpha val="100000"/>
                         </a:srgbClr>
                       </a:solidFill>
@@ -3011,7 +3011,7 @@
                     </a:lnR>
                     <a:lnT algn="ctr" cmpd="sng" cap="flat" w="9525">
                       <a:solidFill>
-                        <a:srgbClr val="BEBEBE">
+                        <a:srgbClr val="333333">
                           <a:alpha val="100000"/>
                         </a:srgbClr>
                       </a:solidFill>
@@ -3019,7 +3019,7 @@
                     </a:lnT>
                     <a:lnB algn="ctr" cmpd="sng" cap="flat" w="9525">
                       <a:solidFill>
-                        <a:srgbClr val="BEBEBE">
+                        <a:srgbClr val="333333">
                           <a:alpha val="100000"/>
                         </a:srgbClr>
                       </a:solidFill>
@@ -3078,7 +3078,7 @@
                     </a:lnR>
                     <a:lnT algn="ctr" cmpd="sng" cap="flat" w="9525">
                       <a:solidFill>
-                        <a:srgbClr val="BEBEBE">
+                        <a:srgbClr val="333333">
                           <a:alpha val="100000"/>
                         </a:srgbClr>
                       </a:solidFill>
@@ -3086,7 +3086,7 @@
                     </a:lnT>
                     <a:lnB algn="ctr" cmpd="sng" cap="flat" w="9525">
                       <a:solidFill>
-                        <a:srgbClr val="BEBEBE">
+                        <a:srgbClr val="333333">
                           <a:alpha val="100000"/>
                         </a:srgbClr>
                       </a:solidFill>
@@ -3143,7 +3143,7 @@
                     </a:lnR>
                     <a:lnT algn="ctr" cmpd="sng" cap="flat" w="9525">
                       <a:solidFill>
-                        <a:srgbClr val="BEBEBE">
+                        <a:srgbClr val="333333">
                           <a:alpha val="100000"/>
                         </a:srgbClr>
                       </a:solidFill>
@@ -3151,7 +3151,7 @@
                     </a:lnT>
                     <a:lnB algn="ctr" cmpd="sng" cap="flat" w="9525">
                       <a:solidFill>
-                        <a:srgbClr val="BEBEBE">
+                        <a:srgbClr val="333333">
                           <a:alpha val="100000"/>
                         </a:srgbClr>
                       </a:solidFill>
@@ -3208,7 +3208,7 @@
                     </a:lnR>
                     <a:lnT algn="ctr" cmpd="sng" cap="flat" w="9525">
                       <a:solidFill>
-                        <a:srgbClr val="BEBEBE">
+                        <a:srgbClr val="333333">
                           <a:alpha val="100000"/>
                         </a:srgbClr>
                       </a:solidFill>
@@ -3216,7 +3216,7 @@
                     </a:lnT>
                     <a:lnB algn="ctr" cmpd="sng" cap="flat" w="9525">
                       <a:solidFill>
-                        <a:srgbClr val="BEBEBE">
+                        <a:srgbClr val="333333">
                           <a:alpha val="100000"/>
                         </a:srgbClr>
                       </a:solidFill>
@@ -3273,7 +3273,7 @@
                     </a:lnR>
                     <a:lnT algn="ctr" cmpd="sng" cap="flat" w="9525">
                       <a:solidFill>
-                        <a:srgbClr val="BEBEBE">
+                        <a:srgbClr val="333333">
                           <a:alpha val="100000"/>
                         </a:srgbClr>
                       </a:solidFill>
@@ -3281,7 +3281,7 @@
                     </a:lnT>
                     <a:lnB algn="ctr" cmpd="sng" cap="flat" w="9525">
                       <a:solidFill>
-                        <a:srgbClr val="BEBEBE">
+                        <a:srgbClr val="333333">
                           <a:alpha val="100000"/>
                         </a:srgbClr>
                       </a:solidFill>
@@ -3340,7 +3340,7 @@
                     </a:lnR>
                     <a:lnT algn="ctr" cmpd="sng" cap="flat" w="9525">
                       <a:solidFill>
-                        <a:srgbClr val="BEBEBE">
+                        <a:srgbClr val="333333">
                           <a:alpha val="100000"/>
                         </a:srgbClr>
                       </a:solidFill>
@@ -3348,7 +3348,7 @@
                     </a:lnT>
                     <a:lnB algn="ctr" cmpd="sng" cap="flat" w="9525">
                       <a:solidFill>
-                        <a:srgbClr val="BEBEBE">
+                        <a:srgbClr val="333333">
                           <a:alpha val="100000"/>
                         </a:srgbClr>
                       </a:solidFill>
@@ -3405,7 +3405,7 @@
                     </a:lnR>
                     <a:lnT algn="ctr" cmpd="sng" cap="flat" w="9525">
                       <a:solidFill>
-                        <a:srgbClr val="BEBEBE">
+                        <a:srgbClr val="333333">
                           <a:alpha val="100000"/>
                         </a:srgbClr>
                       </a:solidFill>
@@ -3413,7 +3413,7 @@
                     </a:lnT>
                     <a:lnB algn="ctr" cmpd="sng" cap="flat" w="9525">
                       <a:solidFill>
-                        <a:srgbClr val="BEBEBE">
+                        <a:srgbClr val="333333">
                           <a:alpha val="100000"/>
                         </a:srgbClr>
                       </a:solidFill>
@@ -3470,7 +3470,7 @@
                     </a:lnR>
                     <a:lnT algn="ctr" cmpd="sng" cap="flat" w="9525">
                       <a:solidFill>
-                        <a:srgbClr val="BEBEBE">
+                        <a:srgbClr val="333333">
                           <a:alpha val="100000"/>
                         </a:srgbClr>
                       </a:solidFill>
@@ -3478,7 +3478,7 @@
                     </a:lnT>
                     <a:lnB algn="ctr" cmpd="sng" cap="flat" w="9525">
                       <a:solidFill>
-                        <a:srgbClr val="BEBEBE">
+                        <a:srgbClr val="333333">
                           <a:alpha val="100000"/>
                         </a:srgbClr>
                       </a:solidFill>
@@ -3535,7 +3535,7 @@
                     </a:lnR>
                     <a:lnT algn="ctr" cmpd="sng" cap="flat" w="9525">
                       <a:solidFill>
-                        <a:srgbClr val="BEBEBE">
+                        <a:srgbClr val="333333">
                           <a:alpha val="100000"/>
                         </a:srgbClr>
                       </a:solidFill>
@@ -3543,7 +3543,7 @@
                     </a:lnT>
                     <a:lnB algn="ctr" cmpd="sng" cap="flat" w="9525">
                       <a:solidFill>
-                        <a:srgbClr val="BEBEBE">
+                        <a:srgbClr val="333333">
                           <a:alpha val="100000"/>
                         </a:srgbClr>
                       </a:solidFill>
@@ -3602,7 +3602,7 @@
                     </a:lnR>
                     <a:lnT algn="ctr" cmpd="sng" cap="flat" w="9525">
                       <a:solidFill>
-                        <a:srgbClr val="BEBEBE">
+                        <a:srgbClr val="333333">
                           <a:alpha val="100000"/>
                         </a:srgbClr>
                       </a:solidFill>
@@ -3610,7 +3610,7 @@
                     </a:lnT>
                     <a:lnB algn="ctr" cmpd="sng" cap="flat" w="9525">
                       <a:solidFill>
-                        <a:srgbClr val="BEBEBE">
+                        <a:srgbClr val="333333">
                           <a:alpha val="100000"/>
                         </a:srgbClr>
                       </a:solidFill>
@@ -3667,7 +3667,7 @@
                     </a:lnR>
                     <a:lnT algn="ctr" cmpd="sng" cap="flat" w="9525">
                       <a:solidFill>
-                        <a:srgbClr val="BEBEBE">
+                        <a:srgbClr val="333333">
                           <a:alpha val="100000"/>
                         </a:srgbClr>
                       </a:solidFill>
@@ -3675,7 +3675,7 @@
                     </a:lnT>
                     <a:lnB algn="ctr" cmpd="sng" cap="flat" w="9525">
                       <a:solidFill>
-                        <a:srgbClr val="BEBEBE">
+                        <a:srgbClr val="333333">
                           <a:alpha val="100000"/>
                         </a:srgbClr>
                       </a:solidFill>
@@ -3732,7 +3732,7 @@
                     </a:lnR>
                     <a:lnT algn="ctr" cmpd="sng" cap="flat" w="9525">
                       <a:solidFill>
-                        <a:srgbClr val="BEBEBE">
+                        <a:srgbClr val="333333">
                           <a:alpha val="100000"/>
                         </a:srgbClr>
                       </a:solidFill>
@@ -3740,7 +3740,7 @@
                     </a:lnT>
                     <a:lnB algn="ctr" cmpd="sng" cap="flat" w="9525">
                       <a:solidFill>
-                        <a:srgbClr val="BEBEBE">
+                        <a:srgbClr val="333333">
                           <a:alpha val="100000"/>
                         </a:srgbClr>
                       </a:solidFill>
@@ -3797,7 +3797,7 @@
                     </a:lnR>
                     <a:lnT algn="ctr" cmpd="sng" cap="flat" w="9525">
                       <a:solidFill>
-                        <a:srgbClr val="BEBEBE">
+                        <a:srgbClr val="333333">
                           <a:alpha val="100000"/>
                         </a:srgbClr>
                       </a:solidFill>
@@ -3805,7 +3805,7 @@
                     </a:lnT>
                     <a:lnB algn="ctr" cmpd="sng" cap="flat" w="9525">
                       <a:solidFill>
-                        <a:srgbClr val="BEBEBE">
+                        <a:srgbClr val="333333">
                           <a:alpha val="100000"/>
                         </a:srgbClr>
                       </a:solidFill>
@@ -3864,7 +3864,7 @@
                     </a:lnR>
                     <a:lnT algn="ctr" cmpd="sng" cap="flat" w="9525">
                       <a:solidFill>
-                        <a:srgbClr val="BEBEBE">
+                        <a:srgbClr val="333333">
                           <a:alpha val="100000"/>
                         </a:srgbClr>
                       </a:solidFill>
@@ -3872,7 +3872,7 @@
                     </a:lnT>
                     <a:lnB algn="ctr" cmpd="sng" cap="flat" w="9525">
                       <a:solidFill>
-                        <a:srgbClr val="BEBEBE">
+                        <a:srgbClr val="333333">
                           <a:alpha val="100000"/>
                         </a:srgbClr>
                       </a:solidFill>
@@ -3929,7 +3929,7 @@
                     </a:lnR>
                     <a:lnT algn="ctr" cmpd="sng" cap="flat" w="9525">
                       <a:solidFill>
-                        <a:srgbClr val="BEBEBE">
+                        <a:srgbClr val="333333">
                           <a:alpha val="100000"/>
                         </a:srgbClr>
                       </a:solidFill>
@@ -3937,7 +3937,7 @@
                     </a:lnT>
                     <a:lnB algn="ctr" cmpd="sng" cap="flat" w="9525">
                       <a:solidFill>
-                        <a:srgbClr val="BEBEBE">
+                        <a:srgbClr val="333333">
                           <a:alpha val="100000"/>
                         </a:srgbClr>
                       </a:solidFill>
@@ -3994,7 +3994,7 @@
                     </a:lnR>
                     <a:lnT algn="ctr" cmpd="sng" cap="flat" w="9525">
                       <a:solidFill>
-                        <a:srgbClr val="BEBEBE">
+                        <a:srgbClr val="333333">
                           <a:alpha val="100000"/>
                         </a:srgbClr>
                       </a:solidFill>
@@ -4002,7 +4002,7 @@
                     </a:lnT>
                     <a:lnB algn="ctr" cmpd="sng" cap="flat" w="9525">
                       <a:solidFill>
-                        <a:srgbClr val="BEBEBE">
+                        <a:srgbClr val="333333">
                           <a:alpha val="100000"/>
                         </a:srgbClr>
                       </a:solidFill>
@@ -4059,7 +4059,7 @@
                     </a:lnR>
                     <a:lnT algn="ctr" cmpd="sng" cap="flat" w="9525">
                       <a:solidFill>
-                        <a:srgbClr val="BEBEBE">
+                        <a:srgbClr val="333333">
                           <a:alpha val="100000"/>
                         </a:srgbClr>
                       </a:solidFill>
@@ -4067,7 +4067,7 @@
                     </a:lnT>
                     <a:lnB algn="ctr" cmpd="sng" cap="flat" w="9525">
                       <a:solidFill>
-                        <a:srgbClr val="BEBEBE">
+                        <a:srgbClr val="333333">
                           <a:alpha val="100000"/>
                         </a:srgbClr>
                       </a:solidFill>
@@ -4126,7 +4126,7 @@
                     </a:lnR>
                     <a:lnT algn="ctr" cmpd="sng" cap="flat" w="9525">
                       <a:solidFill>
-                        <a:srgbClr val="BEBEBE">
+                        <a:srgbClr val="333333">
                           <a:alpha val="100000"/>
                         </a:srgbClr>
                       </a:solidFill>
@@ -4134,7 +4134,7 @@
                     </a:lnT>
                     <a:lnB algn="ctr" cmpd="sng" cap="flat" w="9525">
                       <a:solidFill>
-                        <a:srgbClr val="BEBEBE">
+                        <a:srgbClr val="333333">
                           <a:alpha val="100000"/>
                         </a:srgbClr>
                       </a:solidFill>
@@ -4191,7 +4191,7 @@
                     </a:lnR>
                     <a:lnT algn="ctr" cmpd="sng" cap="flat" w="9525">
                       <a:solidFill>
-                        <a:srgbClr val="BEBEBE">
+                        <a:srgbClr val="333333">
                           <a:alpha val="100000"/>
                         </a:srgbClr>
                       </a:solidFill>
@@ -4199,7 +4199,7 @@
                     </a:lnT>
                     <a:lnB algn="ctr" cmpd="sng" cap="flat" w="9525">
                       <a:solidFill>
-                        <a:srgbClr val="BEBEBE">
+                        <a:srgbClr val="333333">
                           <a:alpha val="100000"/>
                         </a:srgbClr>
                       </a:solidFill>
@@ -4256,7 +4256,7 @@
                     </a:lnR>
                     <a:lnT algn="ctr" cmpd="sng" cap="flat" w="9525">
                       <a:solidFill>
-                        <a:srgbClr val="BEBEBE">
+                        <a:srgbClr val="333333">
                           <a:alpha val="100000"/>
                         </a:srgbClr>
                       </a:solidFill>
@@ -4264,7 +4264,7 @@
                     </a:lnT>
                     <a:lnB algn="ctr" cmpd="sng" cap="flat" w="9525">
                       <a:solidFill>
-                        <a:srgbClr val="BEBEBE">
+                        <a:srgbClr val="333333">
                           <a:alpha val="100000"/>
                         </a:srgbClr>
                       </a:solidFill>
@@ -4321,7 +4321,7 @@
                     </a:lnR>
                     <a:lnT algn="ctr" cmpd="sng" cap="flat" w="9525">
                       <a:solidFill>
-                        <a:srgbClr val="BEBEBE">
+                        <a:srgbClr val="333333">
                           <a:alpha val="100000"/>
                         </a:srgbClr>
                       </a:solidFill>
@@ -4329,7 +4329,7 @@
                     </a:lnT>
                     <a:lnB algn="ctr" cmpd="sng" cap="flat" w="9525">
                       <a:solidFill>
-                        <a:srgbClr val="BEBEBE">
+                        <a:srgbClr val="333333">
                           <a:alpha val="100000"/>
                         </a:srgbClr>
                       </a:solidFill>
@@ -4388,7 +4388,7 @@
                     </a:lnR>
                     <a:lnT algn="ctr" cmpd="sng" cap="flat" w="9525">
                       <a:solidFill>
-                        <a:srgbClr val="BEBEBE">
+                        <a:srgbClr val="333333">
                           <a:alpha val="100000"/>
                         </a:srgbClr>
                       </a:solidFill>
@@ -4396,7 +4396,7 @@
                     </a:lnT>
                     <a:lnB algn="ctr" cmpd="sng" cap="flat" w="9525">
                       <a:solidFill>
-                        <a:srgbClr val="BEBEBE">
+                        <a:srgbClr val="333333">
                           <a:alpha val="100000"/>
                         </a:srgbClr>
                       </a:solidFill>
@@ -4453,7 +4453,7 @@
                     </a:lnR>
                     <a:lnT algn="ctr" cmpd="sng" cap="flat" w="9525">
                       <a:solidFill>
-                        <a:srgbClr val="BEBEBE">
+                        <a:srgbClr val="333333">
                           <a:alpha val="100000"/>
                         </a:srgbClr>
                       </a:solidFill>
@@ -4461,7 +4461,7 @@
                     </a:lnT>
                     <a:lnB algn="ctr" cmpd="sng" cap="flat" w="9525">
                       <a:solidFill>
-                        <a:srgbClr val="BEBEBE">
+                        <a:srgbClr val="333333">
                           <a:alpha val="100000"/>
                         </a:srgbClr>
                       </a:solidFill>
@@ -4518,7 +4518,7 @@
                     </a:lnR>
                     <a:lnT algn="ctr" cmpd="sng" cap="flat" w="9525">
                       <a:solidFill>
-                        <a:srgbClr val="BEBEBE">
+                        <a:srgbClr val="333333">
                           <a:alpha val="100000"/>
                         </a:srgbClr>
                       </a:solidFill>
@@ -4526,7 +4526,7 @@
                     </a:lnT>
                     <a:lnB algn="ctr" cmpd="sng" cap="flat" w="9525">
                       <a:solidFill>
-                        <a:srgbClr val="BEBEBE">
+                        <a:srgbClr val="333333">
                           <a:alpha val="100000"/>
                         </a:srgbClr>
                       </a:solidFill>
@@ -4583,7 +4583,7 @@
                     </a:lnR>
                     <a:lnT algn="ctr" cmpd="sng" cap="flat" w="9525">
                       <a:solidFill>
-                        <a:srgbClr val="BEBEBE">
+                        <a:srgbClr val="333333">
                           <a:alpha val="100000"/>
                         </a:srgbClr>
                       </a:solidFill>
@@ -4591,7 +4591,7 @@
                     </a:lnT>
                     <a:lnB algn="ctr" cmpd="sng" cap="flat" w="9525">
                       <a:solidFill>
-                        <a:srgbClr val="BEBEBE">
+                        <a:srgbClr val="333333">
                           <a:alpha val="100000"/>
                         </a:srgbClr>
                       </a:solidFill>
@@ -4650,7 +4650,7 @@
                     </a:lnR>
                     <a:lnT algn="ctr" cmpd="sng" cap="flat" w="9525">
                       <a:solidFill>
-                        <a:srgbClr val="BEBEBE">
+                        <a:srgbClr val="333333">
                           <a:alpha val="100000"/>
                         </a:srgbClr>
                       </a:solidFill>
@@ -4658,7 +4658,7 @@
                     </a:lnT>
                     <a:lnB algn="ctr" cmpd="sng" cap="flat" w="9525">
                       <a:solidFill>
-                        <a:srgbClr val="BEBEBE">
+                        <a:srgbClr val="333333">
                           <a:alpha val="100000"/>
                         </a:srgbClr>
                       </a:solidFill>
@@ -4715,7 +4715,7 @@
                     </a:lnR>
                     <a:lnT algn="ctr" cmpd="sng" cap="flat" w="9525">
                       <a:solidFill>
-                        <a:srgbClr val="BEBEBE">
+                        <a:srgbClr val="333333">
                           <a:alpha val="100000"/>
                         </a:srgbClr>
                       </a:solidFill>
@@ -4723,7 +4723,7 @@
                     </a:lnT>
                     <a:lnB algn="ctr" cmpd="sng" cap="flat" w="9525">
                       <a:solidFill>
-                        <a:srgbClr val="BEBEBE">
+                        <a:srgbClr val="333333">
                           <a:alpha val="100000"/>
                         </a:srgbClr>
                       </a:solidFill>
@@ -4780,7 +4780,7 @@
                     </a:lnR>
                     <a:lnT algn="ctr" cmpd="sng" cap="flat" w="9525">
                       <a:solidFill>
-                        <a:srgbClr val="BEBEBE">
+                        <a:srgbClr val="333333">
                           <a:alpha val="100000"/>
                         </a:srgbClr>
                       </a:solidFill>
@@ -4788,7 +4788,7 @@
                     </a:lnT>
                     <a:lnB algn="ctr" cmpd="sng" cap="flat" w="9525">
                       <a:solidFill>
-                        <a:srgbClr val="BEBEBE">
+                        <a:srgbClr val="333333">
                           <a:alpha val="100000"/>
                         </a:srgbClr>
                       </a:solidFill>
@@ -4845,7 +4845,7 @@
                     </a:lnR>
                     <a:lnT algn="ctr" cmpd="sng" cap="flat" w="9525">
                       <a:solidFill>
-                        <a:srgbClr val="BEBEBE">
+                        <a:srgbClr val="333333">
                           <a:alpha val="100000"/>
                         </a:srgbClr>
                       </a:solidFill>
@@ -4853,7 +4853,7 @@
                     </a:lnT>
                     <a:lnB algn="ctr" cmpd="sng" cap="flat" w="9525">
                       <a:solidFill>
-                        <a:srgbClr val="BEBEBE">
+                        <a:srgbClr val="333333">
                           <a:alpha val="100000"/>
                         </a:srgbClr>
                       </a:solidFill>
@@ -4912,7 +4912,7 @@
                     </a:lnR>
                     <a:lnT algn="ctr" cmpd="sng" cap="flat" w="9525">
                       <a:solidFill>
-                        <a:srgbClr val="BEBEBE">
+                        <a:srgbClr val="333333">
                           <a:alpha val="100000"/>
                         </a:srgbClr>
                       </a:solidFill>
@@ -4920,7 +4920,7 @@
                     </a:lnT>
                     <a:lnB algn="ctr" cmpd="sng" cap="flat" w="9525">
                       <a:solidFill>
-                        <a:srgbClr val="BEBEBE">
+                        <a:srgbClr val="333333">
                           <a:alpha val="100000"/>
                         </a:srgbClr>
                       </a:solidFill>
@@ -4977,7 +4977,7 @@
                     </a:lnR>
                     <a:lnT algn="ctr" cmpd="sng" cap="flat" w="9525">
                       <a:solidFill>
-                        <a:srgbClr val="BEBEBE">
+                        <a:srgbClr val="333333">
                           <a:alpha val="100000"/>
                         </a:srgbClr>
                       </a:solidFill>
@@ -4985,7 +4985,7 @@
                     </a:lnT>
                     <a:lnB algn="ctr" cmpd="sng" cap="flat" w="9525">
                       <a:solidFill>
-                        <a:srgbClr val="BEBEBE">
+                        <a:srgbClr val="333333">
                           <a:alpha val="100000"/>
                         </a:srgbClr>
                       </a:solidFill>
@@ -5042,7 +5042,7 @@
                     </a:lnR>
                     <a:lnT algn="ctr" cmpd="sng" cap="flat" w="9525">
                       <a:solidFill>
-                        <a:srgbClr val="BEBEBE">
+                        <a:srgbClr val="333333">
                           <a:alpha val="100000"/>
                         </a:srgbClr>
                       </a:solidFill>
@@ -5050,7 +5050,7 @@
                     </a:lnT>
                     <a:lnB algn="ctr" cmpd="sng" cap="flat" w="9525">
                       <a:solidFill>
-                        <a:srgbClr val="BEBEBE">
+                        <a:srgbClr val="333333">
                           <a:alpha val="100000"/>
                         </a:srgbClr>
                       </a:solidFill>
@@ -5107,7 +5107,7 @@
                     </a:lnR>
                     <a:lnT algn="ctr" cmpd="sng" cap="flat" w="9525">
                       <a:solidFill>
-                        <a:srgbClr val="BEBEBE">
+                        <a:srgbClr val="333333">
                           <a:alpha val="100000"/>
                         </a:srgbClr>
                       </a:solidFill>
@@ -5115,7 +5115,7 @@
                     </a:lnT>
                     <a:lnB algn="ctr" cmpd="sng" cap="flat" w="9525">
                       <a:solidFill>
-                        <a:srgbClr val="BEBEBE">
+                        <a:srgbClr val="333333">
                           <a:alpha val="100000"/>
                         </a:srgbClr>
                       </a:solidFill>
@@ -5174,7 +5174,7 @@
                     </a:lnR>
                     <a:lnT algn="ctr" cmpd="sng" cap="flat" w="9525">
                       <a:solidFill>
-                        <a:srgbClr val="BEBEBE">
+                        <a:srgbClr val="333333">
                           <a:alpha val="100000"/>
                         </a:srgbClr>
                       </a:solidFill>
@@ -5182,7 +5182,7 @@
                     </a:lnT>
                     <a:lnB algn="ctr" cmpd="sng" cap="flat" w="9525">
                       <a:solidFill>
-                        <a:srgbClr val="BEBEBE">
+                        <a:srgbClr val="333333">
                           <a:alpha val="100000"/>
                         </a:srgbClr>
                       </a:solidFill>
@@ -5239,7 +5239,7 @@
                     </a:lnR>
                     <a:lnT algn="ctr" cmpd="sng" cap="flat" w="9525">
                       <a:solidFill>
-                        <a:srgbClr val="BEBEBE">
+                        <a:srgbClr val="333333">
                           <a:alpha val="100000"/>
                         </a:srgbClr>
                       </a:solidFill>
@@ -5247,7 +5247,7 @@
                     </a:lnT>
                     <a:lnB algn="ctr" cmpd="sng" cap="flat" w="9525">
                       <a:solidFill>
-                        <a:srgbClr val="BEBEBE">
+                        <a:srgbClr val="333333">
                           <a:alpha val="100000"/>
                         </a:srgbClr>
                       </a:solidFill>
@@ -5304,7 +5304,7 @@
                     </a:lnR>
                     <a:lnT algn="ctr" cmpd="sng" cap="flat" w="9525">
                       <a:solidFill>
-                        <a:srgbClr val="BEBEBE">
+                        <a:srgbClr val="333333">
                           <a:alpha val="100000"/>
                         </a:srgbClr>
                       </a:solidFill>
@@ -5312,7 +5312,7 @@
                     </a:lnT>
                     <a:lnB algn="ctr" cmpd="sng" cap="flat" w="9525">
                       <a:solidFill>
-                        <a:srgbClr val="BEBEBE">
+                        <a:srgbClr val="333333">
                           <a:alpha val="100000"/>
                         </a:srgbClr>
                       </a:solidFill>
@@ -5369,7 +5369,7 @@
                     </a:lnR>
                     <a:lnT algn="ctr" cmpd="sng" cap="flat" w="9525">
                       <a:solidFill>
-                        <a:srgbClr val="BEBEBE">
+                        <a:srgbClr val="333333">
                           <a:alpha val="100000"/>
                         </a:srgbClr>
                       </a:solidFill>
@@ -5377,7 +5377,7 @@
                     </a:lnT>
                     <a:lnB algn="ctr" cmpd="sng" cap="flat" w="9525">
                       <a:solidFill>
-                        <a:srgbClr val="BEBEBE">
+                        <a:srgbClr val="333333">
                           <a:alpha val="100000"/>
                         </a:srgbClr>
                       </a:solidFill>
@@ -5436,7 +5436,7 @@
                     </a:lnR>
                     <a:lnT algn="ctr" cmpd="sng" cap="flat" w="9525">
                       <a:solidFill>
-                        <a:srgbClr val="BEBEBE">
+                        <a:srgbClr val="333333">
                           <a:alpha val="100000"/>
                         </a:srgbClr>
                       </a:solidFill>
@@ -5444,7 +5444,7 @@
                     </a:lnT>
                     <a:lnB algn="ctr" cmpd="sng" cap="flat" w="19050">
                       <a:solidFill>
-                        <a:srgbClr val="BEBEBE">
+                        <a:srgbClr val="333333">
                           <a:alpha val="100000"/>
                         </a:srgbClr>
                       </a:solidFill>
@@ -5501,7 +5501,7 @@
                     </a:lnR>
                     <a:lnT algn="ctr" cmpd="sng" cap="flat" w="9525">
                       <a:solidFill>
-                        <a:srgbClr val="BEBEBE">
+                        <a:srgbClr val="333333">
                           <a:alpha val="100000"/>
                         </a:srgbClr>
                       </a:solidFill>
@@ -5509,7 +5509,7 @@
                     </a:lnT>
                     <a:lnB algn="ctr" cmpd="sng" cap="flat" w="19050">
                       <a:solidFill>
-                        <a:srgbClr val="BEBEBE">
+                        <a:srgbClr val="333333">
                           <a:alpha val="100000"/>
                         </a:srgbClr>
                       </a:solidFill>
@@ -5566,7 +5566,7 @@
                     </a:lnR>
                     <a:lnT algn="ctr" cmpd="sng" cap="flat" w="9525">
                       <a:solidFill>
-                        <a:srgbClr val="BEBEBE">
+                        <a:srgbClr val="333333">
                           <a:alpha val="100000"/>
                         </a:srgbClr>
                       </a:solidFill>
@@ -5574,7 +5574,7 @@
                     </a:lnT>
                     <a:lnB algn="ctr" cmpd="sng" cap="flat" w="19050">
                       <a:solidFill>
-                        <a:srgbClr val="BEBEBE">
+                        <a:srgbClr val="333333">
                           <a:alpha val="100000"/>
                         </a:srgbClr>
                       </a:solidFill>
@@ -5631,7 +5631,7 @@
                     </a:lnR>
                     <a:lnT algn="ctr" cmpd="sng" cap="flat" w="9525">
                       <a:solidFill>
-                        <a:srgbClr val="BEBEBE">
+                        <a:srgbClr val="333333">
                           <a:alpha val="100000"/>
                         </a:srgbClr>
                       </a:solidFill>
@@ -5639,7 +5639,7 @@
                     </a:lnT>
                     <a:lnB algn="ctr" cmpd="sng" cap="flat" w="19050">
                       <a:solidFill>
-                        <a:srgbClr val="BEBEBE">
+                        <a:srgbClr val="333333">
                           <a:alpha val="100000"/>
                         </a:srgbClr>
                       </a:solidFill>
@@ -5702,7 +5702,7 @@
                     </a:lnT>
                     <a:lnB algn="ctr" cmpd="sng" cap="flat" w="9525">
                       <a:solidFill>
-                        <a:srgbClr val="BEBEBE">
+                        <a:srgbClr val="333333">
                           <a:alpha val="100000"/>
                         </a:srgbClr>
                       </a:solidFill>
@@ -5763,7 +5763,7 @@
                     </a:lnT>
                     <a:lnB algn="ctr" cmpd="sng" cap="flat" w="9525">
                       <a:solidFill>
-                        <a:srgbClr val="BEBEBE">
+                        <a:srgbClr val="333333">
                           <a:alpha val="100000"/>
                         </a:srgbClr>
                       </a:solidFill>
@@ -5824,7 +5824,7 @@
                     </a:lnT>
                     <a:lnB algn="ctr" cmpd="sng" cap="flat" w="9525">
                       <a:solidFill>
-                        <a:srgbClr val="BEBEBE">
+                        <a:srgbClr val="333333">
                           <a:alpha val="100000"/>
                         </a:srgbClr>
                       </a:solidFill>
@@ -5885,7 +5885,7 @@
                     </a:lnT>
                     <a:lnB algn="ctr" cmpd="sng" cap="flat" w="9525">
                       <a:solidFill>
-                        <a:srgbClr val="BEBEBE">
+                        <a:srgbClr val="333333">
                           <a:alpha val="100000"/>
                         </a:srgbClr>
                       </a:solidFill>
@@ -5944,7 +5944,7 @@
                     </a:lnR>
                     <a:lnT algn="ctr" cmpd="sng" cap="flat" w="9525">
                       <a:solidFill>
-                        <a:srgbClr val="BEBEBE">
+                        <a:srgbClr val="333333">
                           <a:alpha val="100000"/>
                         </a:srgbClr>
                       </a:solidFill>
@@ -5952,7 +5952,7 @@
                     </a:lnT>
                     <a:lnB algn="ctr" cmpd="sng" cap="flat" w="9525">
                       <a:solidFill>
-                        <a:srgbClr val="BEBEBE">
+                        <a:srgbClr val="333333">
                           <a:alpha val="100000"/>
                         </a:srgbClr>
                       </a:solidFill>
@@ -6009,7 +6009,7 @@
                     </a:lnR>
                     <a:lnT algn="ctr" cmpd="sng" cap="flat" w="9525">
                       <a:solidFill>
-                        <a:srgbClr val="BEBEBE">
+                        <a:srgbClr val="333333">
                           <a:alpha val="100000"/>
                         </a:srgbClr>
                       </a:solidFill>
@@ -6017,7 +6017,7 @@
                     </a:lnT>
                     <a:lnB algn="ctr" cmpd="sng" cap="flat" w="9525">
                       <a:solidFill>
-                        <a:srgbClr val="BEBEBE">
+                        <a:srgbClr val="333333">
                           <a:alpha val="100000"/>
                         </a:srgbClr>
                       </a:solidFill>
@@ -6074,7 +6074,7 @@
                     </a:lnR>
                     <a:lnT algn="ctr" cmpd="sng" cap="flat" w="9525">
                       <a:solidFill>
-                        <a:srgbClr val="BEBEBE">
+                        <a:srgbClr val="333333">
                           <a:alpha val="100000"/>
                         </a:srgbClr>
                       </a:solidFill>
@@ -6082,7 +6082,7 @@
                     </a:lnT>
                     <a:lnB algn="ctr" cmpd="sng" cap="flat" w="9525">
                       <a:solidFill>
-                        <a:srgbClr val="BEBEBE">
+                        <a:srgbClr val="333333">
                           <a:alpha val="100000"/>
                         </a:srgbClr>
                       </a:solidFill>
@@ -6139,7 +6139,7 @@
                     </a:lnR>
                     <a:lnT algn="ctr" cmpd="sng" cap="flat" w="9525">
                       <a:solidFill>
-                        <a:srgbClr val="BEBEBE">
+                        <a:srgbClr val="333333">
                           <a:alpha val="100000"/>
                         </a:srgbClr>
                       </a:solidFill>
@@ -6147,7 +6147,7 @@
                     </a:lnT>
                     <a:lnB algn="ctr" cmpd="sng" cap="flat" w="9525">
                       <a:solidFill>
-                        <a:srgbClr val="BEBEBE">
+                        <a:srgbClr val="333333">
                           <a:alpha val="100000"/>
                         </a:srgbClr>
                       </a:solidFill>

--- a/05-outputs/tables/tbl3-mixed-effects.pptx
+++ b/05-outputs/tables/tbl3-mixed-effects.pptx
@@ -2258,10 +2258,10 @@
             <a:tbl>
               <a:tblPr/>
               <a:tblGrid>
-                <a:gridCol w="1235775"/>
+                <a:gridCol w="1850497"/>
                 <a:gridCol w="830157"/>
-                <a:gridCol w="830157"/>
-                <a:gridCol w="830157"/>
+                <a:gridCol w="808949"/>
+                <a:gridCol w="766657"/>
               </a:tblGrid>
               <a:tr h="314219">
                 <a:tc>
@@ -2525,7 +2525,7 @@
                   </a:tcPr>
                 </a:tc>
               </a:tr>
-              <a:tr h="342497">
+              <a:tr h="137160">
                 <a:tc>
                   <a:txBody>
                     <a:bodyPr/>
@@ -2555,7 +2555,7 @@
                           <a:ea typeface="Arial"/>
                           <a:sym typeface="Arial"/>
                         </a:rPr>
-                        <a:t>Age in months</a:t>
+                        <a:t>(Intercept)</a:t>
                       </a:r>
                     </a:p>
                   </a:txBody>
@@ -2616,7 +2616,7 @@
                           <a:ea typeface="Arial"/>
                           <a:sym typeface="Arial"/>
                         </a:rPr>
-                        <a:t>-3.521***</a:t>
+                        <a:t>119.481***</a:t>
                       </a:r>
                     </a:p>
                   </a:txBody>
@@ -2677,7 +2677,7 @@
                           <a:ea typeface="Arial"/>
                           <a:sym typeface="Arial"/>
                         </a:rPr>
-                        <a:t>-3.468***</a:t>
+                        <a:t>62.729***</a:t>
                       </a:r>
                     </a:p>
                   </a:txBody>
@@ -2738,7 +2738,7 @@
                           <a:ea typeface="Arial"/>
                           <a:sym typeface="Arial"/>
                         </a:rPr>
-                        <a:t>-3.481***</a:t>
+                        <a:t>63.769***</a:t>
                       </a:r>
                     </a:p>
                   </a:txBody>
@@ -2771,7 +2771,7 @@
                   </a:tcPr>
                 </a:tc>
               </a:tr>
-              <a:tr h="342248">
+              <a:tr h="137160">
                 <a:tc>
                   <a:txBody>
                     <a:bodyPr/>
@@ -2866,7 +2866,7 @@
                           <a:ea typeface="Arial"/>
                           <a:sym typeface="Arial"/>
                         </a:rPr>
-                        <a:t>(0.398)</a:t>
+                        <a:t>(7.207)</a:t>
                       </a:r>
                     </a:p>
                   </a:txBody>
@@ -2931,7 +2931,7 @@
                           <a:ea typeface="Arial"/>
                           <a:sym typeface="Arial"/>
                         </a:rPr>
-                        <a:t>(0.378)</a:t>
+                        <a:t>(9.492)</a:t>
                       </a:r>
                     </a:p>
                   </a:txBody>
@@ -2996,7 +2996,7 @@
                           <a:ea typeface="Arial"/>
                           <a:sym typeface="Arial"/>
                         </a:rPr>
-                        <a:t>(0.373)</a:t>
+                        <a:t>(13.386)</a:t>
                       </a:r>
                     </a:p>
                   </a:txBody>
@@ -3033,7 +3033,7 @@
                   </a:tcPr>
                 </a:tc>
               </a:tr>
-              <a:tr h="342497">
+              <a:tr h="137160">
                 <a:tc>
                   <a:txBody>
                     <a:bodyPr/>
@@ -3063,7 +3063,7 @@
                           <a:ea typeface="Arial"/>
                           <a:sym typeface="Arial"/>
                         </a:rPr>
-                        <a:t>Step type: Toddling</a:t>
+                        <a:t>agemonths</a:t>
                       </a:r>
                     </a:p>
                   </a:txBody>
@@ -3093,6 +3093,530 @@
                       <a:prstDash val="solid"/>
                     </a:lnB>
                     <a:solidFill>
+                      <a:srgbClr val="FFFFFF">
+                        <a:alpha val="100000"/>
+                      </a:srgbClr>
+                    </a:solidFill>
+                  </a:tcPr>
+                </a:tc>
+                <a:tc>
+                  <a:txBody>
+                    <a:bodyPr/>
+                    <a:lstStyle/>
+                    <a:p>
+                      <a:pPr algn="l" marL="50800" marR="50800">
+                        <a:lnSpc>
+                          <a:spcPct val="100000"/>
+                        </a:lnSpc>
+                        <a:spcBef>
+                          <a:spcPts val="400"/>
+                        </a:spcBef>
+                        <a:spcAft>
+                          <a:spcPts val="400"/>
+                        </a:spcAft>
+                        <a:buNone/>
+                      </a:pPr>
+                      <a:r>
+                        <a:rPr cap="none" sz="1000" i="0" b="0" u="none">
+                          <a:solidFill>
+                            <a:srgbClr val="000000">
+                              <a:alpha val="100000"/>
+                            </a:srgbClr>
+                          </a:solidFill>
+                          <a:latin typeface="Times New Roman"/>
+                          <a:cs typeface="Arial"/>
+                          <a:ea typeface="Arial"/>
+                          <a:sym typeface="Arial"/>
+                        </a:rPr>
+                        <a:t>-2.848***</a:t>
+                      </a:r>
+                    </a:p>
+                  </a:txBody>
+                  <a:tcPr anchor="ctr" marB="50800" marT="50800" marR="0" marL="0">
+                    <a:lnL algn="ctr" cmpd="sng" cap="flat" w="0">
+                      <a:noFill/>
+                      <a:prstDash val="solid"/>
+                    </a:lnL>
+                    <a:lnR algn="ctr" cmpd="sng" cap="flat" w="0">
+                      <a:noFill/>
+                      <a:prstDash val="solid"/>
+                    </a:lnR>
+                    <a:lnT algn="ctr" cmpd="sng" cap="flat" w="9525">
+                      <a:solidFill>
+                        <a:srgbClr val="333333">
+                          <a:alpha val="100000"/>
+                        </a:srgbClr>
+                      </a:solidFill>
+                      <a:prstDash val="solid"/>
+                    </a:lnT>
+                    <a:lnB algn="ctr" cmpd="sng" cap="flat" w="9525">
+                      <a:solidFill>
+                        <a:srgbClr val="333333">
+                          <a:alpha val="100000"/>
+                        </a:srgbClr>
+                      </a:solidFill>
+                      <a:prstDash val="solid"/>
+                    </a:lnB>
+                    <a:solidFill>
+                      <a:srgbClr val="FFFFFF">
+                        <a:alpha val="100000"/>
+                      </a:srgbClr>
+                    </a:solidFill>
+                  </a:tcPr>
+                </a:tc>
+                <a:tc>
+                  <a:txBody>
+                    <a:bodyPr/>
+                    <a:lstStyle/>
+                    <a:p>
+                      <a:pPr algn="l" marL="50800" marR="50800">
+                        <a:lnSpc>
+                          <a:spcPct val="100000"/>
+                        </a:lnSpc>
+                        <a:spcBef>
+                          <a:spcPts val="400"/>
+                        </a:spcBef>
+                        <a:spcAft>
+                          <a:spcPts val="400"/>
+                        </a:spcAft>
+                        <a:buNone/>
+                      </a:pPr>
+                      <a:r>
+                        <a:rPr cap="none" sz="1000" i="0" b="0" u="none">
+                          <a:solidFill>
+                            <a:srgbClr val="000000">
+                              <a:alpha val="100000"/>
+                            </a:srgbClr>
+                          </a:solidFill>
+                          <a:latin typeface="Times New Roman"/>
+                          <a:cs typeface="Arial"/>
+                          <a:ea typeface="Arial"/>
+                          <a:sym typeface="Arial"/>
+                        </a:rPr>
+                        <a:t>-1.356***</a:t>
+                      </a:r>
+                    </a:p>
+                  </a:txBody>
+                  <a:tcPr anchor="ctr" marB="50800" marT="50800" marR="0" marL="0">
+                    <a:lnL algn="ctr" cmpd="sng" cap="flat" w="0">
+                      <a:noFill/>
+                      <a:prstDash val="solid"/>
+                    </a:lnL>
+                    <a:lnR algn="ctr" cmpd="sng" cap="flat" w="0">
+                      <a:noFill/>
+                      <a:prstDash val="solid"/>
+                    </a:lnR>
+                    <a:lnT algn="ctr" cmpd="sng" cap="flat" w="9525">
+                      <a:solidFill>
+                        <a:srgbClr val="333333">
+                          <a:alpha val="100000"/>
+                        </a:srgbClr>
+                      </a:solidFill>
+                      <a:prstDash val="solid"/>
+                    </a:lnT>
+                    <a:lnB algn="ctr" cmpd="sng" cap="flat" w="9525">
+                      <a:solidFill>
+                        <a:srgbClr val="333333">
+                          <a:alpha val="100000"/>
+                        </a:srgbClr>
+                      </a:solidFill>
+                      <a:prstDash val="solid"/>
+                    </a:lnB>
+                    <a:solidFill>
+                      <a:srgbClr val="FFFFFF">
+                        <a:alpha val="100000"/>
+                      </a:srgbClr>
+                    </a:solidFill>
+                  </a:tcPr>
+                </a:tc>
+                <a:tc>
+                  <a:txBody>
+                    <a:bodyPr/>
+                    <a:lstStyle/>
+                    <a:p>
+                      <a:pPr algn="l" marL="50800" marR="50800">
+                        <a:lnSpc>
+                          <a:spcPct val="100000"/>
+                        </a:lnSpc>
+                        <a:spcBef>
+                          <a:spcPts val="400"/>
+                        </a:spcBef>
+                        <a:spcAft>
+                          <a:spcPts val="400"/>
+                        </a:spcAft>
+                        <a:buNone/>
+                      </a:pPr>
+                      <a:r>
+                        <a:rPr cap="none" sz="1000" i="0" b="0" u="none">
+                          <a:solidFill>
+                            <a:srgbClr val="000000">
+                              <a:alpha val="100000"/>
+                            </a:srgbClr>
+                          </a:solidFill>
+                          <a:latin typeface="Times New Roman"/>
+                          <a:cs typeface="Arial"/>
+                          <a:ea typeface="Arial"/>
+                          <a:sym typeface="Arial"/>
+                        </a:rPr>
+                        <a:t>-1.352***</a:t>
+                      </a:r>
+                    </a:p>
+                  </a:txBody>
+                  <a:tcPr anchor="ctr" marB="50800" marT="50800" marR="0" marL="0">
+                    <a:lnL algn="ctr" cmpd="sng" cap="flat" w="0">
+                      <a:noFill/>
+                      <a:prstDash val="solid"/>
+                    </a:lnL>
+                    <a:lnR algn="ctr" cmpd="sng" cap="flat" w="0">
+                      <a:noFill/>
+                      <a:prstDash val="solid"/>
+                    </a:lnR>
+                    <a:lnT algn="ctr" cmpd="sng" cap="flat" w="9525">
+                      <a:solidFill>
+                        <a:srgbClr val="333333">
+                          <a:alpha val="100000"/>
+                        </a:srgbClr>
+                      </a:solidFill>
+                      <a:prstDash val="solid"/>
+                    </a:lnT>
+                    <a:lnB algn="ctr" cmpd="sng" cap="flat" w="9525">
+                      <a:solidFill>
+                        <a:srgbClr val="333333">
+                          <a:alpha val="100000"/>
+                        </a:srgbClr>
+                      </a:solidFill>
+                      <a:prstDash val="solid"/>
+                    </a:lnB>
+                    <a:solidFill>
+                      <a:srgbClr val="FFFFFF">
+                        <a:alpha val="100000"/>
+                      </a:srgbClr>
+                    </a:solidFill>
+                  </a:tcPr>
+                </a:tc>
+              </a:tr>
+              <a:tr h="137160">
+                <a:tc>
+                  <a:txBody>
+                    <a:bodyPr/>
+                    <a:lstStyle/>
+                    <a:p>
+                      <a:pPr algn="l" marL="50800" marR="50800">
+                        <a:lnSpc>
+                          <a:spcPct val="100000"/>
+                        </a:lnSpc>
+                        <a:spcBef>
+                          <a:spcPts val="400"/>
+                        </a:spcBef>
+                        <a:spcAft>
+                          <a:spcPts val="400"/>
+                        </a:spcAft>
+                        <a:buNone/>
+                      </a:pPr>
+                      <a:r>
+                        <a:rPr cap="none" sz="1000" i="0" b="0" u="none">
+                          <a:solidFill>
+                            <a:srgbClr val="000000">
+                              <a:alpha val="100000"/>
+                            </a:srgbClr>
+                          </a:solidFill>
+                          <a:latin typeface="Times New Roman"/>
+                          <a:cs typeface="Arial"/>
+                          <a:ea typeface="Arial"/>
+                          <a:sym typeface="Arial"/>
+                        </a:rPr>
+                        <a:t/>
+                      </a:r>
+                    </a:p>
+                  </a:txBody>
+                  <a:tcPr anchor="ctr" marB="50800" marT="50800" marR="0" marL="0">
+                    <a:lnL algn="ctr" cmpd="sng" cap="flat" w="0">
+                      <a:noFill/>
+                      <a:prstDash val="solid"/>
+                    </a:lnL>
+                    <a:lnR algn="ctr" cmpd="sng" cap="flat" w="0">
+                      <a:noFill/>
+                      <a:prstDash val="solid"/>
+                    </a:lnR>
+                    <a:lnT algn="ctr" cmpd="sng" cap="flat" w="9525">
+                      <a:solidFill>
+                        <a:srgbClr val="333333">
+                          <a:alpha val="100000"/>
+                        </a:srgbClr>
+                      </a:solidFill>
+                      <a:prstDash val="solid"/>
+                    </a:lnT>
+                    <a:lnB algn="ctr" cmpd="sng" cap="flat" w="9525">
+                      <a:solidFill>
+                        <a:srgbClr val="333333">
+                          <a:alpha val="100000"/>
+                        </a:srgbClr>
+                      </a:solidFill>
+                      <a:prstDash val="solid"/>
+                    </a:lnB>
+                    <a:solidFill>
+                      <a:srgbClr val="FFFFFF">
+                        <a:alpha val="100000"/>
+                      </a:srgbClr>
+                    </a:solidFill>
+                  </a:tcPr>
+                </a:tc>
+                <a:tc>
+                  <a:txBody>
+                    <a:bodyPr/>
+                    <a:lstStyle/>
+                    <a:p>
+                      <a:pPr algn="l" marL="50800" marR="50800">
+                        <a:lnSpc>
+                          <a:spcPct val="100000"/>
+                        </a:lnSpc>
+                        <a:spcBef>
+                          <a:spcPts val="400"/>
+                        </a:spcBef>
+                        <a:spcAft>
+                          <a:spcPts val="400"/>
+                        </a:spcAft>
+                        <a:buNone/>
+                      </a:pPr>
+                      <a:r>
+                        <a:rPr cap="none" sz="1000" i="0" b="0" u="none">
+                          <a:solidFill>
+                            <a:srgbClr val="000000">
+                              <a:alpha val="100000"/>
+                            </a:srgbClr>
+                          </a:solidFill>
+                          <a:latin typeface="Times New Roman"/>
+                          <a:cs typeface="Arial"/>
+                          <a:ea typeface="Arial"/>
+                          <a:sym typeface="Arial"/>
+                        </a:rPr>
+                        <a:t>(0.375)</a:t>
+                      </a:r>
+                    </a:p>
+                  </a:txBody>
+                  <a:tcPr anchor="ctr" marB="50800" marT="50800" marR="0" marL="0">
+                    <a:lnL algn="ctr" cmpd="sng" cap="flat" w="0">
+                      <a:noFill/>
+                      <a:prstDash val="solid"/>
+                    </a:lnL>
+                    <a:lnR algn="ctr" cmpd="sng" cap="flat" w="0">
+                      <a:noFill/>
+                      <a:prstDash val="solid"/>
+                    </a:lnR>
+                    <a:lnT algn="ctr" cmpd="sng" cap="flat" w="9525">
+                      <a:solidFill>
+                        <a:srgbClr val="333333">
+                          <a:alpha val="100000"/>
+                        </a:srgbClr>
+                      </a:solidFill>
+                      <a:prstDash val="solid"/>
+                    </a:lnT>
+                    <a:lnB algn="ctr" cmpd="sng" cap="flat" w="9525">
+                      <a:solidFill>
+                        <a:srgbClr val="333333">
+                          <a:alpha val="100000"/>
+                        </a:srgbClr>
+                      </a:solidFill>
+                      <a:prstDash val="solid"/>
+                    </a:lnB>
+                    <a:solidFill>
+                      <a:srgbClr val="FFFFFF">
+                        <a:alpha val="100000"/>
+                      </a:srgbClr>
+                    </a:solidFill>
+                  </a:tcPr>
+                </a:tc>
+                <a:tc>
+                  <a:txBody>
+                    <a:bodyPr/>
+                    <a:lstStyle/>
+                    <a:p>
+                      <a:pPr algn="l" marL="50800" marR="50800">
+                        <a:lnSpc>
+                          <a:spcPct val="100000"/>
+                        </a:lnSpc>
+                        <a:spcBef>
+                          <a:spcPts val="400"/>
+                        </a:spcBef>
+                        <a:spcAft>
+                          <a:spcPts val="400"/>
+                        </a:spcAft>
+                        <a:buNone/>
+                      </a:pPr>
+                      <a:r>
+                        <a:rPr cap="none" sz="1000" i="0" b="0" u="none">
+                          <a:solidFill>
+                            <a:srgbClr val="000000">
+                              <a:alpha val="100000"/>
+                            </a:srgbClr>
+                          </a:solidFill>
+                          <a:latin typeface="Times New Roman"/>
+                          <a:cs typeface="Arial"/>
+                          <a:ea typeface="Arial"/>
+                          <a:sym typeface="Arial"/>
+                        </a:rPr>
+                        <a:t>(0.355)</a:t>
+                      </a:r>
+                    </a:p>
+                  </a:txBody>
+                  <a:tcPr anchor="ctr" marB="50800" marT="50800" marR="0" marL="0">
+                    <a:lnL algn="ctr" cmpd="sng" cap="flat" w="0">
+                      <a:noFill/>
+                      <a:prstDash val="solid"/>
+                    </a:lnL>
+                    <a:lnR algn="ctr" cmpd="sng" cap="flat" w="0">
+                      <a:noFill/>
+                      <a:prstDash val="solid"/>
+                    </a:lnR>
+                    <a:lnT algn="ctr" cmpd="sng" cap="flat" w="9525">
+                      <a:solidFill>
+                        <a:srgbClr val="333333">
+                          <a:alpha val="100000"/>
+                        </a:srgbClr>
+                      </a:solidFill>
+                      <a:prstDash val="solid"/>
+                    </a:lnT>
+                    <a:lnB algn="ctr" cmpd="sng" cap="flat" w="9525">
+                      <a:solidFill>
+                        <a:srgbClr val="333333">
+                          <a:alpha val="100000"/>
+                        </a:srgbClr>
+                      </a:solidFill>
+                      <a:prstDash val="solid"/>
+                    </a:lnB>
+                    <a:solidFill>
+                      <a:srgbClr val="FFFFFF">
+                        <a:alpha val="100000"/>
+                      </a:srgbClr>
+                    </a:solidFill>
+                  </a:tcPr>
+                </a:tc>
+                <a:tc>
+                  <a:txBody>
+                    <a:bodyPr/>
+                    <a:lstStyle/>
+                    <a:p>
+                      <a:pPr algn="l" marL="50800" marR="50800">
+                        <a:lnSpc>
+                          <a:spcPct val="100000"/>
+                        </a:lnSpc>
+                        <a:spcBef>
+                          <a:spcPts val="400"/>
+                        </a:spcBef>
+                        <a:spcAft>
+                          <a:spcPts val="400"/>
+                        </a:spcAft>
+                        <a:buNone/>
+                      </a:pPr>
+                      <a:r>
+                        <a:rPr cap="none" sz="1000" i="0" b="0" u="none">
+                          <a:solidFill>
+                            <a:srgbClr val="000000">
+                              <a:alpha val="100000"/>
+                            </a:srgbClr>
+                          </a:solidFill>
+                          <a:latin typeface="Times New Roman"/>
+                          <a:cs typeface="Arial"/>
+                          <a:ea typeface="Arial"/>
+                          <a:sym typeface="Arial"/>
+                        </a:rPr>
+                        <a:t>(0.364)</a:t>
+                      </a:r>
+                    </a:p>
+                  </a:txBody>
+                  <a:tcPr anchor="ctr" marB="50800" marT="50800" marR="0" marL="0">
+                    <a:lnL algn="ctr" cmpd="sng" cap="flat" w="0">
+                      <a:noFill/>
+                      <a:prstDash val="solid"/>
+                    </a:lnL>
+                    <a:lnR algn="ctr" cmpd="sng" cap="flat" w="0">
+                      <a:noFill/>
+                      <a:prstDash val="solid"/>
+                    </a:lnR>
+                    <a:lnT algn="ctr" cmpd="sng" cap="flat" w="9525">
+                      <a:solidFill>
+                        <a:srgbClr val="333333">
+                          <a:alpha val="100000"/>
+                        </a:srgbClr>
+                      </a:solidFill>
+                      <a:prstDash val="solid"/>
+                    </a:lnT>
+                    <a:lnB algn="ctr" cmpd="sng" cap="flat" w="9525">
+                      <a:solidFill>
+                        <a:srgbClr val="333333">
+                          <a:alpha val="100000"/>
+                        </a:srgbClr>
+                      </a:solidFill>
+                      <a:prstDash val="solid"/>
+                    </a:lnB>
+                    <a:solidFill>
+                      <a:srgbClr val="FFFFFF">
+                        <a:alpha val="100000"/>
+                      </a:srgbClr>
+                    </a:solidFill>
+                  </a:tcPr>
+                </a:tc>
+              </a:tr>
+              <a:tr h="137160">
+                <a:tc>
+                  <a:txBody>
+                    <a:bodyPr/>
+                    <a:lstStyle/>
+                    <a:p>
+                      <a:pPr algn="l" marL="50800" marR="50800">
+                        <a:lnSpc>
+                          <a:spcPct val="100000"/>
+                        </a:lnSpc>
+                        <a:spcBef>
+                          <a:spcPts val="400"/>
+                        </a:spcBef>
+                        <a:spcAft>
+                          <a:spcPts val="400"/>
+                        </a:spcAft>
+                        <a:buNone/>
+                      </a:pPr>
+                      <a:r>
+                        <a:rPr cap="none" sz="1000" i="0" b="0" u="none">
+                          <a:solidFill>
+                            <a:srgbClr val="000000">
+                              <a:alpha val="100000"/>
+                            </a:srgbClr>
+                          </a:solidFill>
+                          <a:latin typeface="Times New Roman"/>
+                          <a:cs typeface="Arial"/>
+                          <a:ea typeface="Arial"/>
+                          <a:sym typeface="Arial"/>
+                        </a:rPr>
+                        <a:t>steptypeToddling</a:t>
+                      </a:r>
+                    </a:p>
+                  </a:txBody>
+                  <a:tcPr anchor="ctr" marB="50800" marT="50800" marR="0" marL="0">
+                    <a:lnL algn="ctr" cmpd="sng" cap="flat" w="0">
+                      <a:noFill/>
+                      <a:prstDash val="solid"/>
+                    </a:lnL>
+                    <a:lnR algn="ctr" cmpd="sng" cap="flat" w="0">
+                      <a:noFill/>
+                      <a:prstDash val="solid"/>
+                    </a:lnR>
+                    <a:lnT algn="ctr" cmpd="sng" cap="flat" w="9525">
+                      <a:solidFill>
+                        <a:srgbClr val="333333">
+                          <a:alpha val="100000"/>
+                        </a:srgbClr>
+                      </a:solidFill>
+                      <a:prstDash val="solid"/>
+                    </a:lnT>
+                    <a:lnB algn="ctr" cmpd="sng" cap="flat" w="9525">
+                      <a:solidFill>
+                        <a:srgbClr val="333333">
+                          <a:alpha val="100000"/>
+                        </a:srgbClr>
+                      </a:solidFill>
+                      <a:prstDash val="solid"/>
+                    </a:lnB>
+                    <a:solidFill>
                       <a:srgbClr val="ADD8E6">
                         <a:alpha val="100000"/>
                       </a:srgbClr>
@@ -3128,6 +3652,203 @@
                           <a:ea typeface="Arial"/>
                           <a:sym typeface="Arial"/>
                         </a:rPr>
+                        <a:t>-3.025</a:t>
+                      </a:r>
+                    </a:p>
+                  </a:txBody>
+                  <a:tcPr anchor="ctr" marB="50800" marT="50800" marR="0" marL="0">
+                    <a:lnL algn="ctr" cmpd="sng" cap="flat" w="0">
+                      <a:noFill/>
+                      <a:prstDash val="solid"/>
+                    </a:lnL>
+                    <a:lnR algn="ctr" cmpd="sng" cap="flat" w="0">
+                      <a:noFill/>
+                      <a:prstDash val="solid"/>
+                    </a:lnR>
+                    <a:lnT algn="ctr" cmpd="sng" cap="flat" w="9525">
+                      <a:solidFill>
+                        <a:srgbClr val="333333">
+                          <a:alpha val="100000"/>
+                        </a:srgbClr>
+                      </a:solidFill>
+                      <a:prstDash val="solid"/>
+                    </a:lnT>
+                    <a:lnB algn="ctr" cmpd="sng" cap="flat" w="9525">
+                      <a:solidFill>
+                        <a:srgbClr val="333333">
+                          <a:alpha val="100000"/>
+                        </a:srgbClr>
+                      </a:solidFill>
+                      <a:prstDash val="solid"/>
+                    </a:lnB>
+                    <a:solidFill>
+                      <a:srgbClr val="ADD8E6">
+                        <a:alpha val="100000"/>
+                      </a:srgbClr>
+                    </a:solidFill>
+                  </a:tcPr>
+                </a:tc>
+                <a:tc>
+                  <a:txBody>
+                    <a:bodyPr/>
+                    <a:lstStyle/>
+                    <a:p>
+                      <a:pPr algn="l" marL="50800" marR="50800">
+                        <a:lnSpc>
+                          <a:spcPct val="100000"/>
+                        </a:lnSpc>
+                        <a:spcBef>
+                          <a:spcPts val="400"/>
+                        </a:spcBef>
+                        <a:spcAft>
+                          <a:spcPts val="400"/>
+                        </a:spcAft>
+                        <a:buNone/>
+                      </a:pPr>
+                      <a:r>
+                        <a:rPr cap="none" sz="1000" i="0" b="0" u="none">
+                          <a:solidFill>
+                            <a:srgbClr val="000000">
+                              <a:alpha val="100000"/>
+                            </a:srgbClr>
+                          </a:solidFill>
+                          <a:latin typeface="Times New Roman"/>
+                          <a:cs typeface="Arial"/>
+                          <a:ea typeface="Arial"/>
+                          <a:sym typeface="Arial"/>
+                        </a:rPr>
+                        <a:t>-8.675***</a:t>
+                      </a:r>
+                    </a:p>
+                  </a:txBody>
+                  <a:tcPr anchor="ctr" marB="50800" marT="50800" marR="0" marL="0">
+                    <a:lnL algn="ctr" cmpd="sng" cap="flat" w="0">
+                      <a:noFill/>
+                      <a:prstDash val="solid"/>
+                    </a:lnL>
+                    <a:lnR algn="ctr" cmpd="sng" cap="flat" w="0">
+                      <a:noFill/>
+                      <a:prstDash val="solid"/>
+                    </a:lnR>
+                    <a:lnT algn="ctr" cmpd="sng" cap="flat" w="9525">
+                      <a:solidFill>
+                        <a:srgbClr val="333333">
+                          <a:alpha val="100000"/>
+                        </a:srgbClr>
+                      </a:solidFill>
+                      <a:prstDash val="solid"/>
+                    </a:lnT>
+                    <a:lnB algn="ctr" cmpd="sng" cap="flat" w="9525">
+                      <a:solidFill>
+                        <a:srgbClr val="333333">
+                          <a:alpha val="100000"/>
+                        </a:srgbClr>
+                      </a:solidFill>
+                      <a:prstDash val="solid"/>
+                    </a:lnB>
+                    <a:solidFill>
+                      <a:srgbClr val="ADD8E6">
+                        <a:alpha val="100000"/>
+                      </a:srgbClr>
+                    </a:solidFill>
+                  </a:tcPr>
+                </a:tc>
+                <a:tc>
+                  <a:txBody>
+                    <a:bodyPr/>
+                    <a:lstStyle/>
+                    <a:p>
+                      <a:pPr algn="l" marL="50800" marR="50800">
+                        <a:lnSpc>
+                          <a:spcPct val="100000"/>
+                        </a:lnSpc>
+                        <a:spcBef>
+                          <a:spcPts val="400"/>
+                        </a:spcBef>
+                        <a:spcAft>
+                          <a:spcPts val="400"/>
+                        </a:spcAft>
+                        <a:buNone/>
+                      </a:pPr>
+                      <a:r>
+                        <a:rPr cap="none" sz="1000" i="0" b="0" u="none">
+                          <a:solidFill>
+                            <a:srgbClr val="000000">
+                              <a:alpha val="100000"/>
+                            </a:srgbClr>
+                          </a:solidFill>
+                          <a:latin typeface="Times New Roman"/>
+                          <a:cs typeface="Arial"/>
+                          <a:ea typeface="Arial"/>
+                          <a:sym typeface="Arial"/>
+                        </a:rPr>
+                        <a:t>-1.755</a:t>
+                      </a:r>
+                    </a:p>
+                  </a:txBody>
+                  <a:tcPr anchor="ctr" marB="50800" marT="50800" marR="0" marL="0">
+                    <a:lnL algn="ctr" cmpd="sng" cap="flat" w="0">
+                      <a:noFill/>
+                      <a:prstDash val="solid"/>
+                    </a:lnL>
+                    <a:lnR algn="ctr" cmpd="sng" cap="flat" w="0">
+                      <a:noFill/>
+                      <a:prstDash val="solid"/>
+                    </a:lnR>
+                    <a:lnT algn="ctr" cmpd="sng" cap="flat" w="9525">
+                      <a:solidFill>
+                        <a:srgbClr val="333333">
+                          <a:alpha val="100000"/>
+                        </a:srgbClr>
+                      </a:solidFill>
+                      <a:prstDash val="solid"/>
+                    </a:lnT>
+                    <a:lnB algn="ctr" cmpd="sng" cap="flat" w="9525">
+                      <a:solidFill>
+                        <a:srgbClr val="333333">
+                          <a:alpha val="100000"/>
+                        </a:srgbClr>
+                      </a:solidFill>
+                      <a:prstDash val="solid"/>
+                    </a:lnB>
+                    <a:solidFill>
+                      <a:srgbClr val="ADD8E6">
+                        <a:alpha val="100000"/>
+                      </a:srgbClr>
+                    </a:solidFill>
+                  </a:tcPr>
+                </a:tc>
+              </a:tr>
+              <a:tr h="137160">
+                <a:tc>
+                  <a:txBody>
+                    <a:bodyPr/>
+                    <a:lstStyle/>
+                    <a:p>
+                      <a:pPr algn="l" marL="50800" marR="50800">
+                        <a:lnSpc>
+                          <a:spcPct val="100000"/>
+                        </a:lnSpc>
+                        <a:spcBef>
+                          <a:spcPts val="400"/>
+                        </a:spcBef>
+                        <a:spcAft>
+                          <a:spcPts val="400"/>
+                        </a:spcAft>
+                        <a:buNone/>
+                      </a:pPr>
+                      <a:r>
+                        <a:rPr cap="none" sz="1000" i="0" b="0" u="none">
+                          <a:solidFill>
+                            <a:srgbClr val="000000">
+                              <a:alpha val="100000"/>
+                            </a:srgbClr>
+                          </a:solidFill>
+                          <a:latin typeface="Times New Roman"/>
+                          <a:cs typeface="Arial"/>
+                          <a:ea typeface="Arial"/>
+                          <a:sym typeface="Arial"/>
+                        </a:rPr>
                         <a:t/>
                       </a:r>
                     </a:p>
@@ -3158,6 +3879,268 @@
                       <a:prstDash val="solid"/>
                     </a:lnB>
                     <a:solidFill>
+                      <a:srgbClr val="FFFFFF">
+                        <a:alpha val="100000"/>
+                      </a:srgbClr>
+                    </a:solidFill>
+                  </a:tcPr>
+                </a:tc>
+                <a:tc>
+                  <a:txBody>
+                    <a:bodyPr/>
+                    <a:lstStyle/>
+                    <a:p>
+                      <a:pPr algn="l" marL="50800" marR="50800">
+                        <a:lnSpc>
+                          <a:spcPct val="100000"/>
+                        </a:lnSpc>
+                        <a:spcBef>
+                          <a:spcPts val="400"/>
+                        </a:spcBef>
+                        <a:spcAft>
+                          <a:spcPts val="400"/>
+                        </a:spcAft>
+                        <a:buNone/>
+                      </a:pPr>
+                      <a:r>
+                        <a:rPr cap="none" sz="1000" i="0" b="0" u="none">
+                          <a:solidFill>
+                            <a:srgbClr val="000000">
+                              <a:alpha val="100000"/>
+                            </a:srgbClr>
+                          </a:solidFill>
+                          <a:latin typeface="Times New Roman"/>
+                          <a:cs typeface="Arial"/>
+                          <a:ea typeface="Arial"/>
+                          <a:sym typeface="Arial"/>
+                        </a:rPr>
+                        <a:t>(2.852)</a:t>
+                      </a:r>
+                    </a:p>
+                  </a:txBody>
+                  <a:tcPr anchor="ctr" marB="50800" marT="50800" marR="0" marL="0">
+                    <a:lnL algn="ctr" cmpd="sng" cap="flat" w="0">
+                      <a:noFill/>
+                      <a:prstDash val="solid"/>
+                    </a:lnL>
+                    <a:lnR algn="ctr" cmpd="sng" cap="flat" w="0">
+                      <a:noFill/>
+                      <a:prstDash val="solid"/>
+                    </a:lnR>
+                    <a:lnT algn="ctr" cmpd="sng" cap="flat" w="9525">
+                      <a:solidFill>
+                        <a:srgbClr val="333333">
+                          <a:alpha val="100000"/>
+                        </a:srgbClr>
+                      </a:solidFill>
+                      <a:prstDash val="solid"/>
+                    </a:lnT>
+                    <a:lnB algn="ctr" cmpd="sng" cap="flat" w="9525">
+                      <a:solidFill>
+                        <a:srgbClr val="333333">
+                          <a:alpha val="100000"/>
+                        </a:srgbClr>
+                      </a:solidFill>
+                      <a:prstDash val="solid"/>
+                    </a:lnB>
+                    <a:solidFill>
+                      <a:srgbClr val="FFFFFF">
+                        <a:alpha val="100000"/>
+                      </a:srgbClr>
+                    </a:solidFill>
+                  </a:tcPr>
+                </a:tc>
+                <a:tc>
+                  <a:txBody>
+                    <a:bodyPr/>
+                    <a:lstStyle/>
+                    <a:p>
+                      <a:pPr algn="l" marL="50800" marR="50800">
+                        <a:lnSpc>
+                          <a:spcPct val="100000"/>
+                        </a:lnSpc>
+                        <a:spcBef>
+                          <a:spcPts val="400"/>
+                        </a:spcBef>
+                        <a:spcAft>
+                          <a:spcPts val="400"/>
+                        </a:spcAft>
+                        <a:buNone/>
+                      </a:pPr>
+                      <a:r>
+                        <a:rPr cap="none" sz="1000" i="0" b="0" u="none">
+                          <a:solidFill>
+                            <a:srgbClr val="000000">
+                              <a:alpha val="100000"/>
+                            </a:srgbClr>
+                          </a:solidFill>
+                          <a:latin typeface="Times New Roman"/>
+                          <a:cs typeface="Arial"/>
+                          <a:ea typeface="Arial"/>
+                          <a:sym typeface="Arial"/>
+                        </a:rPr>
+                        <a:t>(2.342)</a:t>
+                      </a:r>
+                    </a:p>
+                  </a:txBody>
+                  <a:tcPr anchor="ctr" marB="50800" marT="50800" marR="0" marL="0">
+                    <a:lnL algn="ctr" cmpd="sng" cap="flat" w="0">
+                      <a:noFill/>
+                      <a:prstDash val="solid"/>
+                    </a:lnL>
+                    <a:lnR algn="ctr" cmpd="sng" cap="flat" w="0">
+                      <a:noFill/>
+                      <a:prstDash val="solid"/>
+                    </a:lnR>
+                    <a:lnT algn="ctr" cmpd="sng" cap="flat" w="9525">
+                      <a:solidFill>
+                        <a:srgbClr val="333333">
+                          <a:alpha val="100000"/>
+                        </a:srgbClr>
+                      </a:solidFill>
+                      <a:prstDash val="solid"/>
+                    </a:lnT>
+                    <a:lnB algn="ctr" cmpd="sng" cap="flat" w="9525">
+                      <a:solidFill>
+                        <a:srgbClr val="333333">
+                          <a:alpha val="100000"/>
+                        </a:srgbClr>
+                      </a:solidFill>
+                      <a:prstDash val="solid"/>
+                    </a:lnB>
+                    <a:solidFill>
+                      <a:srgbClr val="FFFFFF">
+                        <a:alpha val="100000"/>
+                      </a:srgbClr>
+                    </a:solidFill>
+                  </a:tcPr>
+                </a:tc>
+                <a:tc>
+                  <a:txBody>
+                    <a:bodyPr/>
+                    <a:lstStyle/>
+                    <a:p>
+                      <a:pPr algn="l" marL="50800" marR="50800">
+                        <a:lnSpc>
+                          <a:spcPct val="100000"/>
+                        </a:lnSpc>
+                        <a:spcBef>
+                          <a:spcPts val="400"/>
+                        </a:spcBef>
+                        <a:spcAft>
+                          <a:spcPts val="400"/>
+                        </a:spcAft>
+                        <a:buNone/>
+                      </a:pPr>
+                      <a:r>
+                        <a:rPr cap="none" sz="1000" i="0" b="0" u="none">
+                          <a:solidFill>
+                            <a:srgbClr val="000000">
+                              <a:alpha val="100000"/>
+                            </a:srgbClr>
+                          </a:solidFill>
+                          <a:latin typeface="Times New Roman"/>
+                          <a:cs typeface="Arial"/>
+                          <a:ea typeface="Arial"/>
+                          <a:sym typeface="Arial"/>
+                        </a:rPr>
+                        <a:t>(13.402)</a:t>
+                      </a:r>
+                    </a:p>
+                  </a:txBody>
+                  <a:tcPr anchor="ctr" marB="50800" marT="50800" marR="0" marL="0">
+                    <a:lnL algn="ctr" cmpd="sng" cap="flat" w="0">
+                      <a:noFill/>
+                      <a:prstDash val="solid"/>
+                    </a:lnL>
+                    <a:lnR algn="ctr" cmpd="sng" cap="flat" w="0">
+                      <a:noFill/>
+                      <a:prstDash val="solid"/>
+                    </a:lnR>
+                    <a:lnT algn="ctr" cmpd="sng" cap="flat" w="9525">
+                      <a:solidFill>
+                        <a:srgbClr val="333333">
+                          <a:alpha val="100000"/>
+                        </a:srgbClr>
+                      </a:solidFill>
+                      <a:prstDash val="solid"/>
+                    </a:lnT>
+                    <a:lnB algn="ctr" cmpd="sng" cap="flat" w="9525">
+                      <a:solidFill>
+                        <a:srgbClr val="333333">
+                          <a:alpha val="100000"/>
+                        </a:srgbClr>
+                      </a:solidFill>
+                      <a:prstDash val="solid"/>
+                    </a:lnB>
+                    <a:solidFill>
+                      <a:srgbClr val="FFFFFF">
+                        <a:alpha val="100000"/>
+                      </a:srgbClr>
+                    </a:solidFill>
+                  </a:tcPr>
+                </a:tc>
+              </a:tr>
+              <a:tr h="137160">
+                <a:tc>
+                  <a:txBody>
+                    <a:bodyPr/>
+                    <a:lstStyle/>
+                    <a:p>
+                      <a:pPr algn="l" marL="50800" marR="50800">
+                        <a:lnSpc>
+                          <a:spcPct val="100000"/>
+                        </a:lnSpc>
+                        <a:spcBef>
+                          <a:spcPts val="400"/>
+                        </a:spcBef>
+                        <a:spcAft>
+                          <a:spcPts val="400"/>
+                        </a:spcAft>
+                        <a:buNone/>
+                      </a:pPr>
+                      <a:r>
+                        <a:rPr cap="none" sz="1000" i="0" b="0" u="none">
+                          <a:solidFill>
+                            <a:srgbClr val="000000">
+                              <a:alpha val="100000"/>
+                            </a:srgbClr>
+                          </a:solidFill>
+                          <a:latin typeface="Times New Roman"/>
+                          <a:cs typeface="Arial"/>
+                          <a:ea typeface="Arial"/>
+                          <a:sym typeface="Arial"/>
+                        </a:rPr>
+                        <a:t>steptypeWalking</a:t>
+                      </a:r>
+                    </a:p>
+                  </a:txBody>
+                  <a:tcPr anchor="ctr" marB="50800" marT="50800" marR="0" marL="0">
+                    <a:lnL algn="ctr" cmpd="sng" cap="flat" w="0">
+                      <a:noFill/>
+                      <a:prstDash val="solid"/>
+                    </a:lnL>
+                    <a:lnR algn="ctr" cmpd="sng" cap="flat" w="0">
+                      <a:noFill/>
+                      <a:prstDash val="solid"/>
+                    </a:lnR>
+                    <a:lnT algn="ctr" cmpd="sng" cap="flat" w="9525">
+                      <a:solidFill>
+                        <a:srgbClr val="333333">
+                          <a:alpha val="100000"/>
+                        </a:srgbClr>
+                      </a:solidFill>
+                      <a:prstDash val="solid"/>
+                    </a:lnT>
+                    <a:lnB algn="ctr" cmpd="sng" cap="flat" w="9525">
+                      <a:solidFill>
+                        <a:srgbClr val="333333">
+                          <a:alpha val="100000"/>
+                        </a:srgbClr>
+                      </a:solidFill>
+                      <a:prstDash val="solid"/>
+                    </a:lnB>
+                    <a:solidFill>
                       <a:srgbClr val="ADD8E6">
                         <a:alpha val="100000"/>
                       </a:srgbClr>
@@ -3193,7 +4176,7 @@
                           <a:ea typeface="Arial"/>
                           <a:sym typeface="Arial"/>
                         </a:rPr>
-                        <a:t>-16.070***</a:t>
+                        <a:t>-10.564***</a:t>
                       </a:r>
                     </a:p>
                   </a:txBody>
@@ -3258,7 +4241,7 @@
                           <a:ea typeface="Arial"/>
                           <a:sym typeface="Arial"/>
                         </a:rPr>
-                        <a:t>-14.601***</a:t>
+                        <a:t>-23.270***</a:t>
                       </a:r>
                     </a:p>
                   </a:txBody>
@@ -3294,8 +4277,73 @@
                     </a:solidFill>
                   </a:tcPr>
                 </a:tc>
+                <a:tc>
+                  <a:txBody>
+                    <a:bodyPr/>
+                    <a:lstStyle/>
+                    <a:p>
+                      <a:pPr algn="l" marL="50800" marR="50800">
+                        <a:lnSpc>
+                          <a:spcPct val="100000"/>
+                        </a:lnSpc>
+                        <a:spcBef>
+                          <a:spcPts val="400"/>
+                        </a:spcBef>
+                        <a:spcAft>
+                          <a:spcPts val="400"/>
+                        </a:spcAft>
+                        <a:buNone/>
+                      </a:pPr>
+                      <a:r>
+                        <a:rPr cap="none" sz="1000" i="0" b="0" u="none">
+                          <a:solidFill>
+                            <a:srgbClr val="000000">
+                              <a:alpha val="100000"/>
+                            </a:srgbClr>
+                          </a:solidFill>
+                          <a:latin typeface="Times New Roman"/>
+                          <a:cs typeface="Arial"/>
+                          <a:ea typeface="Arial"/>
+                          <a:sym typeface="Arial"/>
+                        </a:rPr>
+                        <a:t>-28.825*</a:t>
+                      </a:r>
+                    </a:p>
+                  </a:txBody>
+                  <a:tcPr anchor="ctr" marB="50800" marT="50800" marR="0" marL="0">
+                    <a:lnL algn="ctr" cmpd="sng" cap="flat" w="0">
+                      <a:noFill/>
+                      <a:prstDash val="solid"/>
+                    </a:lnL>
+                    <a:lnR algn="ctr" cmpd="sng" cap="flat" w="0">
+                      <a:noFill/>
+                      <a:prstDash val="solid"/>
+                    </a:lnR>
+                    <a:lnT algn="ctr" cmpd="sng" cap="flat" w="9525">
+                      <a:solidFill>
+                        <a:srgbClr val="333333">
+                          <a:alpha val="100000"/>
+                        </a:srgbClr>
+                      </a:solidFill>
+                      <a:prstDash val="solid"/>
+                    </a:lnT>
+                    <a:lnB algn="ctr" cmpd="sng" cap="flat" w="9525">
+                      <a:solidFill>
+                        <a:srgbClr val="333333">
+                          <a:alpha val="100000"/>
+                        </a:srgbClr>
+                      </a:solidFill>
+                      <a:prstDash val="solid"/>
+                    </a:lnB>
+                    <a:solidFill>
+                      <a:srgbClr val="ADD8E6">
+                        <a:alpha val="100000"/>
+                      </a:srgbClr>
+                    </a:solidFill>
+                  </a:tcPr>
+                </a:tc>
               </a:tr>
-              <a:tr h="342248">
+              <a:tr h="137160">
                 <a:tc>
                   <a:txBody>
                     <a:bodyPr/>
@@ -3390,6 +4438,268 @@
                           <a:ea typeface="Arial"/>
                           <a:sym typeface="Arial"/>
                         </a:rPr>
+                        <a:t>(2.775)</a:t>
+                      </a:r>
+                    </a:p>
+                  </a:txBody>
+                  <a:tcPr anchor="ctr" marB="50800" marT="50800" marR="0" marL="0">
+                    <a:lnL algn="ctr" cmpd="sng" cap="flat" w="0">
+                      <a:noFill/>
+                      <a:prstDash val="solid"/>
+                    </a:lnL>
+                    <a:lnR algn="ctr" cmpd="sng" cap="flat" w="0">
+                      <a:noFill/>
+                      <a:prstDash val="solid"/>
+                    </a:lnR>
+                    <a:lnT algn="ctr" cmpd="sng" cap="flat" w="9525">
+                      <a:solidFill>
+                        <a:srgbClr val="333333">
+                          <a:alpha val="100000"/>
+                        </a:srgbClr>
+                      </a:solidFill>
+                      <a:prstDash val="solid"/>
+                    </a:lnT>
+                    <a:lnB algn="ctr" cmpd="sng" cap="flat" w="9525">
+                      <a:solidFill>
+                        <a:srgbClr val="333333">
+                          <a:alpha val="100000"/>
+                        </a:srgbClr>
+                      </a:solidFill>
+                      <a:prstDash val="solid"/>
+                    </a:lnB>
+                    <a:solidFill>
+                      <a:srgbClr val="FFFFFF">
+                        <a:alpha val="100000"/>
+                      </a:srgbClr>
+                    </a:solidFill>
+                  </a:tcPr>
+                </a:tc>
+                <a:tc>
+                  <a:txBody>
+                    <a:bodyPr/>
+                    <a:lstStyle/>
+                    <a:p>
+                      <a:pPr algn="l" marL="50800" marR="50800">
+                        <a:lnSpc>
+                          <a:spcPct val="100000"/>
+                        </a:lnSpc>
+                        <a:spcBef>
+                          <a:spcPts val="400"/>
+                        </a:spcBef>
+                        <a:spcAft>
+                          <a:spcPts val="400"/>
+                        </a:spcAft>
+                        <a:buNone/>
+                      </a:pPr>
+                      <a:r>
+                        <a:rPr cap="none" sz="1000" i="0" b="0" u="none">
+                          <a:solidFill>
+                            <a:srgbClr val="000000">
+                              <a:alpha val="100000"/>
+                            </a:srgbClr>
+                          </a:solidFill>
+                          <a:latin typeface="Times New Roman"/>
+                          <a:cs typeface="Arial"/>
+                          <a:ea typeface="Arial"/>
+                          <a:sym typeface="Arial"/>
+                        </a:rPr>
+                        <a:t>(2.751)</a:t>
+                      </a:r>
+                    </a:p>
+                  </a:txBody>
+                  <a:tcPr anchor="ctr" marB="50800" marT="50800" marR="0" marL="0">
+                    <a:lnL algn="ctr" cmpd="sng" cap="flat" w="0">
+                      <a:noFill/>
+                      <a:prstDash val="solid"/>
+                    </a:lnL>
+                    <a:lnR algn="ctr" cmpd="sng" cap="flat" w="0">
+                      <a:noFill/>
+                      <a:prstDash val="solid"/>
+                    </a:lnR>
+                    <a:lnT algn="ctr" cmpd="sng" cap="flat" w="9525">
+                      <a:solidFill>
+                        <a:srgbClr val="333333">
+                          <a:alpha val="100000"/>
+                        </a:srgbClr>
+                      </a:solidFill>
+                      <a:prstDash val="solid"/>
+                    </a:lnT>
+                    <a:lnB algn="ctr" cmpd="sng" cap="flat" w="9525">
+                      <a:solidFill>
+                        <a:srgbClr val="333333">
+                          <a:alpha val="100000"/>
+                        </a:srgbClr>
+                      </a:solidFill>
+                      <a:prstDash val="solid"/>
+                    </a:lnB>
+                    <a:solidFill>
+                      <a:srgbClr val="FFFFFF">
+                        <a:alpha val="100000"/>
+                      </a:srgbClr>
+                    </a:solidFill>
+                  </a:tcPr>
+                </a:tc>
+                <a:tc>
+                  <a:txBody>
+                    <a:bodyPr/>
+                    <a:lstStyle/>
+                    <a:p>
+                      <a:pPr algn="l" marL="50800" marR="50800">
+                        <a:lnSpc>
+                          <a:spcPct val="100000"/>
+                        </a:lnSpc>
+                        <a:spcBef>
+                          <a:spcPts val="400"/>
+                        </a:spcBef>
+                        <a:spcAft>
+                          <a:spcPts val="400"/>
+                        </a:spcAft>
+                        <a:buNone/>
+                      </a:pPr>
+                      <a:r>
+                        <a:rPr cap="none" sz="1000" i="0" b="0" u="none">
+                          <a:solidFill>
+                            <a:srgbClr val="000000">
+                              <a:alpha val="100000"/>
+                            </a:srgbClr>
+                          </a:solidFill>
+                          <a:latin typeface="Times New Roman"/>
+                          <a:cs typeface="Arial"/>
+                          <a:ea typeface="Arial"/>
+                          <a:sym typeface="Arial"/>
+                        </a:rPr>
+                        <a:t>(13.063)</a:t>
+                      </a:r>
+                    </a:p>
+                  </a:txBody>
+                  <a:tcPr anchor="ctr" marB="50800" marT="50800" marR="0" marL="0">
+                    <a:lnL algn="ctr" cmpd="sng" cap="flat" w="0">
+                      <a:noFill/>
+                      <a:prstDash val="solid"/>
+                    </a:lnL>
+                    <a:lnR algn="ctr" cmpd="sng" cap="flat" w="0">
+                      <a:noFill/>
+                      <a:prstDash val="solid"/>
+                    </a:lnR>
+                    <a:lnT algn="ctr" cmpd="sng" cap="flat" w="9525">
+                      <a:solidFill>
+                        <a:srgbClr val="333333">
+                          <a:alpha val="100000"/>
+                        </a:srgbClr>
+                      </a:solidFill>
+                      <a:prstDash val="solid"/>
+                    </a:lnT>
+                    <a:lnB algn="ctr" cmpd="sng" cap="flat" w="9525">
+                      <a:solidFill>
+                        <a:srgbClr val="333333">
+                          <a:alpha val="100000"/>
+                        </a:srgbClr>
+                      </a:solidFill>
+                      <a:prstDash val="solid"/>
+                    </a:lnB>
+                    <a:solidFill>
+                      <a:srgbClr val="FFFFFF">
+                        <a:alpha val="100000"/>
+                      </a:srgbClr>
+                    </a:solidFill>
+                  </a:tcPr>
+                </a:tc>
+              </a:tr>
+              <a:tr h="137160">
+                <a:tc>
+                  <a:txBody>
+                    <a:bodyPr/>
+                    <a:lstStyle/>
+                    <a:p>
+                      <a:pPr algn="l" marL="50800" marR="50800">
+                        <a:lnSpc>
+                          <a:spcPct val="100000"/>
+                        </a:lnSpc>
+                        <a:spcBef>
+                          <a:spcPts val="400"/>
+                        </a:spcBef>
+                        <a:spcAft>
+                          <a:spcPts val="400"/>
+                        </a:spcAft>
+                        <a:buNone/>
+                      </a:pPr>
+                      <a:r>
+                        <a:rPr cap="none" sz="1000" i="0" b="0" u="none">
+                          <a:solidFill>
+                            <a:srgbClr val="FF0000">
+                              <a:alpha val="100000"/>
+                            </a:srgbClr>
+                          </a:solidFill>
+                          <a:latin typeface="Times New Roman"/>
+                          <a:cs typeface="Arial"/>
+                          <a:ea typeface="Arial"/>
+                          <a:sym typeface="Arial"/>
+                        </a:rPr>
+                        <a:t>gigglecount</a:t>
+                      </a:r>
+                    </a:p>
+                  </a:txBody>
+                  <a:tcPr anchor="ctr" marB="50800" marT="50800" marR="0" marL="0">
+                    <a:lnL algn="ctr" cmpd="sng" cap="flat" w="0">
+                      <a:noFill/>
+                      <a:prstDash val="solid"/>
+                    </a:lnL>
+                    <a:lnR algn="ctr" cmpd="sng" cap="flat" w="0">
+                      <a:noFill/>
+                      <a:prstDash val="solid"/>
+                    </a:lnR>
+                    <a:lnT algn="ctr" cmpd="sng" cap="flat" w="9525">
+                      <a:solidFill>
+                        <a:srgbClr val="333333">
+                          <a:alpha val="100000"/>
+                        </a:srgbClr>
+                      </a:solidFill>
+                      <a:prstDash val="solid"/>
+                    </a:lnT>
+                    <a:lnB algn="ctr" cmpd="sng" cap="flat" w="9525">
+                      <a:solidFill>
+                        <a:srgbClr val="333333">
+                          <a:alpha val="100000"/>
+                        </a:srgbClr>
+                      </a:solidFill>
+                      <a:prstDash val="solid"/>
+                    </a:lnB>
+                    <a:solidFill>
+                      <a:srgbClr val="FFFFFF">
+                        <a:alpha val="100000"/>
+                      </a:srgbClr>
+                    </a:solidFill>
+                  </a:tcPr>
+                </a:tc>
+                <a:tc>
+                  <a:txBody>
+                    <a:bodyPr/>
+                    <a:lstStyle/>
+                    <a:p>
+                      <a:pPr algn="l" marL="50800" marR="50800">
+                        <a:lnSpc>
+                          <a:spcPct val="100000"/>
+                        </a:lnSpc>
+                        <a:spcBef>
+                          <a:spcPts val="400"/>
+                        </a:spcBef>
+                        <a:spcAft>
+                          <a:spcPts val="400"/>
+                        </a:spcAft>
+                        <a:buNone/>
+                      </a:pPr>
+                      <a:r>
+                        <a:rPr cap="none" sz="1000" i="0" b="0" u="none">
+                          <a:solidFill>
+                            <a:srgbClr val="FF0000">
+                              <a:alpha val="100000"/>
+                            </a:srgbClr>
+                          </a:solidFill>
+                          <a:latin typeface="Times New Roman"/>
+                          <a:cs typeface="Arial"/>
+                          <a:ea typeface="Arial"/>
+                          <a:sym typeface="Arial"/>
+                        </a:rPr>
                         <a:t/>
                       </a:r>
                     </a:p>
@@ -3446,6 +4756,138 @@
                       <a:r>
                         <a:rPr cap="none" sz="1000" i="0" b="0" u="none">
                           <a:solidFill>
+                            <a:srgbClr val="FF0000">
+                              <a:alpha val="100000"/>
+                            </a:srgbClr>
+                          </a:solidFill>
+                          <a:latin typeface="Times New Roman"/>
+                          <a:cs typeface="Arial"/>
+                          <a:ea typeface="Arial"/>
+                          <a:sym typeface="Arial"/>
+                        </a:rPr>
+                        <a:t>9.541***</a:t>
+                      </a:r>
+                    </a:p>
+                  </a:txBody>
+                  <a:tcPr anchor="ctr" marB="50800" marT="50800" marR="0" marL="0">
+                    <a:lnL algn="ctr" cmpd="sng" cap="flat" w="0">
+                      <a:noFill/>
+                      <a:prstDash val="solid"/>
+                    </a:lnL>
+                    <a:lnR algn="ctr" cmpd="sng" cap="flat" w="0">
+                      <a:noFill/>
+                      <a:prstDash val="solid"/>
+                    </a:lnR>
+                    <a:lnT algn="ctr" cmpd="sng" cap="flat" w="9525">
+                      <a:solidFill>
+                        <a:srgbClr val="333333">
+                          <a:alpha val="100000"/>
+                        </a:srgbClr>
+                      </a:solidFill>
+                      <a:prstDash val="solid"/>
+                    </a:lnT>
+                    <a:lnB algn="ctr" cmpd="sng" cap="flat" w="9525">
+                      <a:solidFill>
+                        <a:srgbClr val="333333">
+                          <a:alpha val="100000"/>
+                        </a:srgbClr>
+                      </a:solidFill>
+                      <a:prstDash val="solid"/>
+                    </a:lnB>
+                    <a:solidFill>
+                      <a:srgbClr val="FFFFFF">
+                        <a:alpha val="100000"/>
+                      </a:srgbClr>
+                    </a:solidFill>
+                  </a:tcPr>
+                </a:tc>
+                <a:tc>
+                  <a:txBody>
+                    <a:bodyPr/>
+                    <a:lstStyle/>
+                    <a:p>
+                      <a:pPr algn="l" marL="50800" marR="50800">
+                        <a:lnSpc>
+                          <a:spcPct val="100000"/>
+                        </a:lnSpc>
+                        <a:spcBef>
+                          <a:spcPts val="400"/>
+                        </a:spcBef>
+                        <a:spcAft>
+                          <a:spcPts val="400"/>
+                        </a:spcAft>
+                        <a:buNone/>
+                      </a:pPr>
+                      <a:r>
+                        <a:rPr cap="none" sz="1000" i="0" b="0" u="none">
+                          <a:solidFill>
+                            <a:srgbClr val="FF0000">
+                              <a:alpha val="100000"/>
+                            </a:srgbClr>
+                          </a:solidFill>
+                          <a:latin typeface="Times New Roman"/>
+                          <a:cs typeface="Arial"/>
+                          <a:ea typeface="Arial"/>
+                          <a:sym typeface="Arial"/>
+                        </a:rPr>
+                        <a:t>9.176*</a:t>
+                      </a:r>
+                    </a:p>
+                  </a:txBody>
+                  <a:tcPr anchor="ctr" marB="50800" marT="50800" marR="0" marL="0">
+                    <a:lnL algn="ctr" cmpd="sng" cap="flat" w="0">
+                      <a:noFill/>
+                      <a:prstDash val="solid"/>
+                    </a:lnL>
+                    <a:lnR algn="ctr" cmpd="sng" cap="flat" w="0">
+                      <a:noFill/>
+                      <a:prstDash val="solid"/>
+                    </a:lnR>
+                    <a:lnT algn="ctr" cmpd="sng" cap="flat" w="9525">
+                      <a:solidFill>
+                        <a:srgbClr val="333333">
+                          <a:alpha val="100000"/>
+                        </a:srgbClr>
+                      </a:solidFill>
+                      <a:prstDash val="solid"/>
+                    </a:lnT>
+                    <a:lnB algn="ctr" cmpd="sng" cap="flat" w="9525">
+                      <a:solidFill>
+                        <a:srgbClr val="333333">
+                          <a:alpha val="100000"/>
+                        </a:srgbClr>
+                      </a:solidFill>
+                      <a:prstDash val="solid"/>
+                    </a:lnB>
+                    <a:solidFill>
+                      <a:srgbClr val="FFFFFF">
+                        <a:alpha val="100000"/>
+                      </a:srgbClr>
+                    </a:solidFill>
+                  </a:tcPr>
+                </a:tc>
+              </a:tr>
+              <a:tr h="137160">
+                <a:tc>
+                  <a:txBody>
+                    <a:bodyPr/>
+                    <a:lstStyle/>
+                    <a:p>
+                      <a:pPr algn="l" marL="50800" marR="50800">
+                        <a:lnSpc>
+                          <a:spcPct val="100000"/>
+                        </a:lnSpc>
+                        <a:spcBef>
+                          <a:spcPts val="400"/>
+                        </a:spcBef>
+                        <a:spcAft>
+                          <a:spcPts val="400"/>
+                        </a:spcAft>
+                        <a:buNone/>
+                      </a:pPr>
+                      <a:r>
+                        <a:rPr cap="none" sz="1000" i="0" b="0" u="none">
+                          <a:solidFill>
                             <a:srgbClr val="000000">
                               <a:alpha val="100000"/>
                             </a:srgbClr>
@@ -3455,7 +4897,7 @@
                           <a:ea typeface="Arial"/>
                           <a:sym typeface="Arial"/>
                         </a:rPr>
-                        <a:t>(3.839)</a:t>
+                        <a:t/>
                       </a:r>
                     </a:p>
                   </a:txBody>
@@ -3520,7 +4962,7 @@
                           <a:ea typeface="Arial"/>
                           <a:sym typeface="Arial"/>
                         </a:rPr>
-                        <a:t>(3.816)</a:t>
+                        <a:t/>
                       </a:r>
                     </a:p>
                   </a:txBody>
@@ -3556,8 +4998,138 @@
                     </a:solidFill>
                   </a:tcPr>
                 </a:tc>
+                <a:tc>
+                  <a:txBody>
+                    <a:bodyPr/>
+                    <a:lstStyle/>
+                    <a:p>
+                      <a:pPr algn="l" marL="50800" marR="50800">
+                        <a:lnSpc>
+                          <a:spcPct val="100000"/>
+                        </a:lnSpc>
+                        <a:spcBef>
+                          <a:spcPts val="400"/>
+                        </a:spcBef>
+                        <a:spcAft>
+                          <a:spcPts val="400"/>
+                        </a:spcAft>
+                        <a:buNone/>
+                      </a:pPr>
+                      <a:r>
+                        <a:rPr cap="none" sz="1000" i="0" b="0" u="none">
+                          <a:solidFill>
+                            <a:srgbClr val="000000">
+                              <a:alpha val="100000"/>
+                            </a:srgbClr>
+                          </a:solidFill>
+                          <a:latin typeface="Times New Roman"/>
+                          <a:cs typeface="Arial"/>
+                          <a:ea typeface="Arial"/>
+                          <a:sym typeface="Arial"/>
+                        </a:rPr>
+                        <a:t>(1.284)</a:t>
+                      </a:r>
+                    </a:p>
+                  </a:txBody>
+                  <a:tcPr anchor="ctr" marB="50800" marT="50800" marR="0" marL="0">
+                    <a:lnL algn="ctr" cmpd="sng" cap="flat" w="0">
+                      <a:noFill/>
+                      <a:prstDash val="solid"/>
+                    </a:lnL>
+                    <a:lnR algn="ctr" cmpd="sng" cap="flat" w="0">
+                      <a:noFill/>
+                      <a:prstDash val="solid"/>
+                    </a:lnR>
+                    <a:lnT algn="ctr" cmpd="sng" cap="flat" w="9525">
+                      <a:solidFill>
+                        <a:srgbClr val="333333">
+                          <a:alpha val="100000"/>
+                        </a:srgbClr>
+                      </a:solidFill>
+                      <a:prstDash val="solid"/>
+                    </a:lnT>
+                    <a:lnB algn="ctr" cmpd="sng" cap="flat" w="9525">
+                      <a:solidFill>
+                        <a:srgbClr val="333333">
+                          <a:alpha val="100000"/>
+                        </a:srgbClr>
+                      </a:solidFill>
+                      <a:prstDash val="solid"/>
+                    </a:lnB>
+                    <a:solidFill>
+                      <a:srgbClr val="FFFFFF">
+                        <a:alpha val="100000"/>
+                      </a:srgbClr>
+                    </a:solidFill>
+                  </a:tcPr>
+                </a:tc>
+                <a:tc>
+                  <a:txBody>
+                    <a:bodyPr/>
+                    <a:lstStyle/>
+                    <a:p>
+                      <a:pPr algn="l" marL="50800" marR="50800">
+                        <a:lnSpc>
+                          <a:spcPct val="100000"/>
+                        </a:lnSpc>
+                        <a:spcBef>
+                          <a:spcPts val="400"/>
+                        </a:spcBef>
+                        <a:spcAft>
+                          <a:spcPts val="400"/>
+                        </a:spcAft>
+                        <a:buNone/>
+                      </a:pPr>
+                      <a:r>
+                        <a:rPr cap="none" sz="1000" i="0" b="0" u="none">
+                          <a:solidFill>
+                            <a:srgbClr val="000000">
+                              <a:alpha val="100000"/>
+                            </a:srgbClr>
+                          </a:solidFill>
+                          <a:latin typeface="Times New Roman"/>
+                          <a:cs typeface="Arial"/>
+                          <a:ea typeface="Arial"/>
+                          <a:sym typeface="Arial"/>
+                        </a:rPr>
+                        <a:t>(3.612)</a:t>
+                      </a:r>
+                    </a:p>
+                  </a:txBody>
+                  <a:tcPr anchor="ctr" marB="50800" marT="50800" marR="0" marL="0">
+                    <a:lnL algn="ctr" cmpd="sng" cap="flat" w="0">
+                      <a:noFill/>
+                      <a:prstDash val="solid"/>
+                    </a:lnL>
+                    <a:lnR algn="ctr" cmpd="sng" cap="flat" w="0">
+                      <a:noFill/>
+                      <a:prstDash val="solid"/>
+                    </a:lnR>
+                    <a:lnT algn="ctr" cmpd="sng" cap="flat" w="9525">
+                      <a:solidFill>
+                        <a:srgbClr val="333333">
+                          <a:alpha val="100000"/>
+                        </a:srgbClr>
+                      </a:solidFill>
+                      <a:prstDash val="solid"/>
+                    </a:lnT>
+                    <a:lnB algn="ctr" cmpd="sng" cap="flat" w="9525">
+                      <a:solidFill>
+                        <a:srgbClr val="333333">
+                          <a:alpha val="100000"/>
+                        </a:srgbClr>
+                      </a:solidFill>
+                      <a:prstDash val="solid"/>
+                    </a:lnB>
+                    <a:solidFill>
+                      <a:srgbClr val="FFFFFF">
+                        <a:alpha val="100000"/>
+                      </a:srgbClr>
+                    </a:solidFill>
+                  </a:tcPr>
+                </a:tc>
               </a:tr>
-              <a:tr h="342497">
+              <a:tr h="137160">
                 <a:tc>
                   <a:txBody>
                     <a:bodyPr/>
@@ -3587,7 +5159,7 @@
                           <a:ea typeface="Arial"/>
                           <a:sym typeface="Arial"/>
                         </a:rPr>
-                        <a:t>Step type: Walking</a:t>
+                        <a:t>steptypeToddling × gigglecount</a:t>
                       </a:r>
                     </a:p>
                   </a:txBody>
@@ -3617,7 +5189,7 @@
                       <a:prstDash val="solid"/>
                     </a:lnB>
                     <a:solidFill>
-                      <a:srgbClr val="ADD8E6">
+                      <a:srgbClr val="FFFFFF">
                         <a:alpha val="100000"/>
                       </a:srgbClr>
                     </a:solidFill>
@@ -3682,7 +5254,7 @@
                       <a:prstDash val="solid"/>
                     </a:lnB>
                     <a:solidFill>
-                      <a:srgbClr val="ADD8E6">
+                      <a:srgbClr val="FFFFFF">
                         <a:alpha val="100000"/>
                       </a:srgbClr>
                     </a:solidFill>
@@ -3717,7 +5289,7 @@
                           <a:ea typeface="Arial"/>
                           <a:sym typeface="Arial"/>
                         </a:rPr>
-                        <a:t>-20.934***</a:t>
+                        <a:t/>
                       </a:r>
                     </a:p>
                   </a:txBody>
@@ -3747,7 +5319,7 @@
                       <a:prstDash val="solid"/>
                     </a:lnB>
                     <a:solidFill>
-                      <a:srgbClr val="ADD8E6">
+                      <a:srgbClr val="FFFFFF">
                         <a:alpha val="100000"/>
                       </a:srgbClr>
                     </a:solidFill>
@@ -3782,7 +5354,7 @@
                           <a:ea typeface="Arial"/>
                           <a:sym typeface="Arial"/>
                         </a:rPr>
-                        <a:t>-23.461***</a:t>
+                        <a:t>-1.926</a:t>
                       </a:r>
                     </a:p>
                   </a:txBody>
@@ -3812,14 +5384,14 @@
                       <a:prstDash val="solid"/>
                     </a:lnB>
                     <a:solidFill>
-                      <a:srgbClr val="ADD8E6">
+                      <a:srgbClr val="FFFFFF">
                         <a:alpha val="100000"/>
                       </a:srgbClr>
                     </a:solidFill>
                   </a:tcPr>
                 </a:tc>
               </a:tr>
-              <a:tr h="342248">
+              <a:tr h="137160">
                 <a:tc>
                   <a:txBody>
                     <a:bodyPr/>
@@ -3979,7 +5551,7 @@
                           <a:ea typeface="Arial"/>
                           <a:sym typeface="Arial"/>
                         </a:rPr>
-                        <a:t>(3.751)</a:t>
+                        <a:t/>
                       </a:r>
                     </a:p>
                   </a:txBody>
@@ -4044,7 +5616,7 @@
                           <a:ea typeface="Arial"/>
                           <a:sym typeface="Arial"/>
                         </a:rPr>
-                        <a:t>(3.790)</a:t>
+                        <a:t>(4.141)</a:t>
                       </a:r>
                     </a:p>
                   </a:txBody>
@@ -4081,7 +5653,7 @@
                   </a:tcPr>
                 </a:tc>
               </a:tr>
-              <a:tr h="342248">
+              <a:tr h="137160">
                 <a:tc>
                   <a:txBody>
                     <a:bodyPr/>
@@ -4102,16 +5674,16 @@
                       <a:r>
                         <a:rPr cap="none" sz="1000" i="0" b="0" u="none">
                           <a:solidFill>
-                            <a:srgbClr val="FF0000">
-                              <a:alpha val="100000"/>
-                            </a:srgbClr>
-                          </a:solidFill>
-                          <a:latin typeface="Times New Roman"/>
-                          <a:cs typeface="Arial"/>
-                          <a:ea typeface="Arial"/>
-                          <a:sym typeface="Arial"/>
-                        </a:rPr>
-                        <a:t>Sleeptime in hours</a:t>
+                            <a:srgbClr val="000000">
+                              <a:alpha val="100000"/>
+                            </a:srgbClr>
+                          </a:solidFill>
+                          <a:latin typeface="Times New Roman"/>
+                          <a:cs typeface="Arial"/>
+                          <a:ea typeface="Arial"/>
+                          <a:sym typeface="Arial"/>
+                        </a:rPr>
+                        <a:t>steptypeWalking × gigglecount</a:t>
                       </a:r>
                     </a:p>
                   </a:txBody>
@@ -4167,7 +5739,7 @@
                       <a:r>
                         <a:rPr cap="none" sz="1000" i="0" b="0" u="none">
                           <a:solidFill>
-                            <a:srgbClr val="FF0000">
+                            <a:srgbClr val="000000">
                               <a:alpha val="100000"/>
                             </a:srgbClr>
                           </a:solidFill>
@@ -4232,7 +5804,7 @@
                       <a:r>
                         <a:rPr cap="none" sz="1000" i="0" b="0" u="none">
                           <a:solidFill>
-                            <a:srgbClr val="FF0000">
+                            <a:srgbClr val="000000">
                               <a:alpha val="100000"/>
                             </a:srgbClr>
                           </a:solidFill>
@@ -4297,16 +5869,16 @@
                       <a:r>
                         <a:rPr cap="none" sz="1000" i="0" b="0" u="none">
                           <a:solidFill>
-                            <a:srgbClr val="FF0000">
-                              <a:alpha val="100000"/>
-                            </a:srgbClr>
-                          </a:solidFill>
-                          <a:latin typeface="Times New Roman"/>
-                          <a:cs typeface="Arial"/>
-                          <a:ea typeface="Arial"/>
-                          <a:sym typeface="Arial"/>
-                        </a:rPr>
-                        <a:t>-2.585**</a:t>
+                            <a:srgbClr val="000000">
+                              <a:alpha val="100000"/>
+                            </a:srgbClr>
+                          </a:solidFill>
+                          <a:latin typeface="Times New Roman"/>
+                          <a:cs typeface="Arial"/>
+                          <a:ea typeface="Arial"/>
+                          <a:sym typeface="Arial"/>
+                        </a:rPr>
+                        <a:t>1.359</a:t>
                       </a:r>
                     </a:p>
                   </a:txBody>
@@ -4343,7 +5915,7 @@
                   </a:tcPr>
                 </a:tc>
               </a:tr>
-              <a:tr h="342248">
+              <a:tr h="137160">
                 <a:tc>
                   <a:txBody>
                     <a:bodyPr/>
@@ -4568,7 +6140,7 @@
                           <a:ea typeface="Arial"/>
                           <a:sym typeface="Arial"/>
                         </a:rPr>
-                        <a:t>(0.843)</a:t>
+                        <a:t>(3.894)</a:t>
                       </a:r>
                     </a:p>
                   </a:txBody>
@@ -4605,7 +6177,7 @@
                   </a:tcPr>
                 </a:tc>
               </a:tr>
-              <a:tr h="338156">
+              <a:tr h="137160">
                 <a:tc>
                   <a:txBody>
                     <a:bodyPr/>
@@ -4635,7 +6207,7 @@
                           <a:ea typeface="Arial"/>
                           <a:sym typeface="Arial"/>
                         </a:rPr>
-                        <a:t>Intercept</a:t>
+                        <a:t>SD (Intercept babyid)</a:t>
                       </a:r>
                     </a:p>
                   </a:txBody>
@@ -4700,7 +6272,7 @@
                           <a:ea typeface="Arial"/>
                           <a:sym typeface="Arial"/>
                         </a:rPr>
-                        <a:t>103.591***</a:t>
+                        <a:t>10.946</a:t>
                       </a:r>
                     </a:p>
                   </a:txBody>
@@ -4765,7 +6337,7 @@
                           <a:ea typeface="Arial"/>
                           <a:sym typeface="Arial"/>
                         </a:rPr>
-                        <a:t>115.127***</a:t>
+                        <a:t>8.226</a:t>
                       </a:r>
                     </a:p>
                   </a:txBody>
@@ -4830,7 +6402,7 @@
                           <a:ea typeface="Arial"/>
                           <a:sym typeface="Arial"/>
                         </a:rPr>
-                        <a:t>149.273***</a:t>
+                        <a:t>8.392</a:t>
                       </a:r>
                     </a:p>
                   </a:txBody>
@@ -4867,7 +6439,7 @@
                   </a:tcPr>
                 </a:tc>
               </a:tr>
-              <a:tr h="342248">
+              <a:tr h="137160">
                 <a:tc>
                   <a:txBody>
                     <a:bodyPr/>
@@ -4897,7 +6469,7 @@
                           <a:ea typeface="Arial"/>
                           <a:sym typeface="Arial"/>
                         </a:rPr>
-                        <a:t/>
+                        <a:t>SD (Observations)</a:t>
                       </a:r>
                     </a:p>
                   </a:txBody>
@@ -4962,7 +6534,7 @@
                           <a:ea typeface="Arial"/>
                           <a:sym typeface="Arial"/>
                         </a:rPr>
-                        <a:t>(7.173)</a:t>
+                        <a:t>5.590</a:t>
                       </a:r>
                     </a:p>
                   </a:txBody>
@@ -5027,7 +6599,7 @@
                           <a:ea typeface="Arial"/>
                           <a:sym typeface="Arial"/>
                         </a:rPr>
-                        <a:t>(7.107)</a:t>
+                        <a:t>5.719</a:t>
                       </a:r>
                     </a:p>
                   </a:txBody>
@@ -5092,7 +6664,7 @@
                           <a:ea typeface="Arial"/>
                           <a:sym typeface="Arial"/>
                         </a:rPr>
-                        <a:t>(13.163)</a:t>
+                        <a:t>5.677</a:t>
                       </a:r>
                     </a:p>
                   </a:txBody>
@@ -5129,7 +6701,7 @@
                   </a:tcPr>
                 </a:tc>
               </a:tr>
-              <a:tr h="317010">
+              <a:tr h="137160">
                 <a:tc>
                   <a:txBody>
                     <a:bodyPr/>
@@ -5180,7 +6752,7 @@
                       </a:solidFill>
                       <a:prstDash val="solid"/>
                     </a:lnT>
-                    <a:lnB algn="ctr" cmpd="sng" cap="flat" w="9525">
+                    <a:lnB algn="ctr" cmpd="sng" cap="flat" w="19050">
                       <a:solidFill>
                         <a:srgbClr val="333333">
                           <a:alpha val="100000"/>
@@ -5245,7 +6817,7 @@
                       </a:solidFill>
                       <a:prstDash val="solid"/>
                     </a:lnT>
-                    <a:lnB algn="ctr" cmpd="sng" cap="flat" w="9525">
+                    <a:lnB algn="ctr" cmpd="sng" cap="flat" w="19050">
                       <a:solidFill>
                         <a:srgbClr val="333333">
                           <a:alpha val="100000"/>
@@ -5310,7 +6882,7 @@
                       </a:solidFill>
                       <a:prstDash val="solid"/>
                     </a:lnT>
-                    <a:lnB algn="ctr" cmpd="sng" cap="flat" w="9525">
+                    <a:lnB algn="ctr" cmpd="sng" cap="flat" w="19050">
                       <a:solidFill>
                         <a:srgbClr val="333333">
                           <a:alpha val="100000"/>
@@ -5355,268 +6927,6 @@
                           <a:sym typeface="Arial"/>
                         </a:rPr>
                         <a:t>300</a:t>
-                      </a:r>
-                    </a:p>
-                  </a:txBody>
-                  <a:tcPr anchor="ctr" marB="50800" marT="50800" marR="0" marL="0">
-                    <a:lnL algn="ctr" cmpd="sng" cap="flat" w="0">
-                      <a:noFill/>
-                      <a:prstDash val="solid"/>
-                    </a:lnL>
-                    <a:lnR algn="ctr" cmpd="sng" cap="flat" w="0">
-                      <a:noFill/>
-                      <a:prstDash val="solid"/>
-                    </a:lnR>
-                    <a:lnT algn="ctr" cmpd="sng" cap="flat" w="9525">
-                      <a:solidFill>
-                        <a:srgbClr val="333333">
-                          <a:alpha val="100000"/>
-                        </a:srgbClr>
-                      </a:solidFill>
-                      <a:prstDash val="solid"/>
-                    </a:lnT>
-                    <a:lnB algn="ctr" cmpd="sng" cap="flat" w="9525">
-                      <a:solidFill>
-                        <a:srgbClr val="333333">
-                          <a:alpha val="100000"/>
-                        </a:srgbClr>
-                      </a:solidFill>
-                      <a:prstDash val="solid"/>
-                    </a:lnB>
-                    <a:solidFill>
-                      <a:srgbClr val="FFFFFF">
-                        <a:alpha val="100000"/>
-                      </a:srgbClr>
-                    </a:solidFill>
-                  </a:tcPr>
-                </a:tc>
-              </a:tr>
-              <a:tr h="314467">
-                <a:tc>
-                  <a:txBody>
-                    <a:bodyPr/>
-                    <a:lstStyle/>
-                    <a:p>
-                      <a:pPr algn="l" marL="50800" marR="50800">
-                        <a:lnSpc>
-                          <a:spcPct val="100000"/>
-                        </a:lnSpc>
-                        <a:spcBef>
-                          <a:spcPts val="400"/>
-                        </a:spcBef>
-                        <a:spcAft>
-                          <a:spcPts val="400"/>
-                        </a:spcAft>
-                        <a:buNone/>
-                      </a:pPr>
-                      <a:r>
-                        <a:rPr cap="none" sz="1000" i="0" b="0" u="none">
-                          <a:solidFill>
-                            <a:srgbClr val="000000">
-                              <a:alpha val="100000"/>
-                            </a:srgbClr>
-                          </a:solidFill>
-                          <a:latin typeface="Times New Roman"/>
-                          <a:cs typeface="Arial"/>
-                          <a:ea typeface="Arial"/>
-                          <a:sym typeface="Arial"/>
-                        </a:rPr>
-                        <a:t>R2</a:t>
-                      </a:r>
-                    </a:p>
-                  </a:txBody>
-                  <a:tcPr anchor="ctr" marB="50800" marT="50800" marR="0" marL="0">
-                    <a:lnL algn="ctr" cmpd="sng" cap="flat" w="0">
-                      <a:noFill/>
-                      <a:prstDash val="solid"/>
-                    </a:lnL>
-                    <a:lnR algn="ctr" cmpd="sng" cap="flat" w="0">
-                      <a:noFill/>
-                      <a:prstDash val="solid"/>
-                    </a:lnR>
-                    <a:lnT algn="ctr" cmpd="sng" cap="flat" w="9525">
-                      <a:solidFill>
-                        <a:srgbClr val="333333">
-                          <a:alpha val="100000"/>
-                        </a:srgbClr>
-                      </a:solidFill>
-                      <a:prstDash val="solid"/>
-                    </a:lnT>
-                    <a:lnB algn="ctr" cmpd="sng" cap="flat" w="19050">
-                      <a:solidFill>
-                        <a:srgbClr val="333333">
-                          <a:alpha val="100000"/>
-                        </a:srgbClr>
-                      </a:solidFill>
-                      <a:prstDash val="solid"/>
-                    </a:lnB>
-                    <a:solidFill>
-                      <a:srgbClr val="FFFFFF">
-                        <a:alpha val="100000"/>
-                      </a:srgbClr>
-                    </a:solidFill>
-                  </a:tcPr>
-                </a:tc>
-                <a:tc>
-                  <a:txBody>
-                    <a:bodyPr/>
-                    <a:lstStyle/>
-                    <a:p>
-                      <a:pPr algn="l" marL="50800" marR="50800">
-                        <a:lnSpc>
-                          <a:spcPct val="100000"/>
-                        </a:lnSpc>
-                        <a:spcBef>
-                          <a:spcPts val="400"/>
-                        </a:spcBef>
-                        <a:spcAft>
-                          <a:spcPts val="400"/>
-                        </a:spcAft>
-                        <a:buNone/>
-                      </a:pPr>
-                      <a:r>
-                        <a:rPr cap="none" sz="1000" i="0" b="0" u="none">
-                          <a:solidFill>
-                            <a:srgbClr val="000000">
-                              <a:alpha val="100000"/>
-                            </a:srgbClr>
-                          </a:solidFill>
-                          <a:latin typeface="Times New Roman"/>
-                          <a:cs typeface="Arial"/>
-                          <a:ea typeface="Arial"/>
-                          <a:sym typeface="Arial"/>
-                        </a:rPr>
-                        <a:t>0.208</a:t>
-                      </a:r>
-                    </a:p>
-                  </a:txBody>
-                  <a:tcPr anchor="ctr" marB="50800" marT="50800" marR="0" marL="0">
-                    <a:lnL algn="ctr" cmpd="sng" cap="flat" w="0">
-                      <a:noFill/>
-                      <a:prstDash val="solid"/>
-                    </a:lnL>
-                    <a:lnR algn="ctr" cmpd="sng" cap="flat" w="0">
-                      <a:noFill/>
-                      <a:prstDash val="solid"/>
-                    </a:lnR>
-                    <a:lnT algn="ctr" cmpd="sng" cap="flat" w="9525">
-                      <a:solidFill>
-                        <a:srgbClr val="333333">
-                          <a:alpha val="100000"/>
-                        </a:srgbClr>
-                      </a:solidFill>
-                      <a:prstDash val="solid"/>
-                    </a:lnT>
-                    <a:lnB algn="ctr" cmpd="sng" cap="flat" w="19050">
-                      <a:solidFill>
-                        <a:srgbClr val="333333">
-                          <a:alpha val="100000"/>
-                        </a:srgbClr>
-                      </a:solidFill>
-                      <a:prstDash val="solid"/>
-                    </a:lnB>
-                    <a:solidFill>
-                      <a:srgbClr val="FFFFFF">
-                        <a:alpha val="100000"/>
-                      </a:srgbClr>
-                    </a:solidFill>
-                  </a:tcPr>
-                </a:tc>
-                <a:tc>
-                  <a:txBody>
-                    <a:bodyPr/>
-                    <a:lstStyle/>
-                    <a:p>
-                      <a:pPr algn="l" marL="50800" marR="50800">
-                        <a:lnSpc>
-                          <a:spcPct val="100000"/>
-                        </a:lnSpc>
-                        <a:spcBef>
-                          <a:spcPts val="400"/>
-                        </a:spcBef>
-                        <a:spcAft>
-                          <a:spcPts val="400"/>
-                        </a:spcAft>
-                        <a:buNone/>
-                      </a:pPr>
-                      <a:r>
-                        <a:rPr cap="none" sz="1000" i="0" b="0" u="none">
-                          <a:solidFill>
-                            <a:srgbClr val="000000">
-                              <a:alpha val="100000"/>
-                            </a:srgbClr>
-                          </a:solidFill>
-                          <a:latin typeface="Times New Roman"/>
-                          <a:cs typeface="Arial"/>
-                          <a:ea typeface="Arial"/>
-                          <a:sym typeface="Arial"/>
-                        </a:rPr>
-                        <a:t>0.289</a:t>
-                      </a:r>
-                    </a:p>
-                  </a:txBody>
-                  <a:tcPr anchor="ctr" marB="50800" marT="50800" marR="0" marL="0">
-                    <a:lnL algn="ctr" cmpd="sng" cap="flat" w="0">
-                      <a:noFill/>
-                      <a:prstDash val="solid"/>
-                    </a:lnL>
-                    <a:lnR algn="ctr" cmpd="sng" cap="flat" w="0">
-                      <a:noFill/>
-                      <a:prstDash val="solid"/>
-                    </a:lnR>
-                    <a:lnT algn="ctr" cmpd="sng" cap="flat" w="9525">
-                      <a:solidFill>
-                        <a:srgbClr val="333333">
-                          <a:alpha val="100000"/>
-                        </a:srgbClr>
-                      </a:solidFill>
-                      <a:prstDash val="solid"/>
-                    </a:lnT>
-                    <a:lnB algn="ctr" cmpd="sng" cap="flat" w="19050">
-                      <a:solidFill>
-                        <a:srgbClr val="333333">
-                          <a:alpha val="100000"/>
-                        </a:srgbClr>
-                      </a:solidFill>
-                      <a:prstDash val="solid"/>
-                    </a:lnB>
-                    <a:solidFill>
-                      <a:srgbClr val="FFFFFF">
-                        <a:alpha val="100000"/>
-                      </a:srgbClr>
-                    </a:solidFill>
-                  </a:tcPr>
-                </a:tc>
-                <a:tc>
-                  <a:txBody>
-                    <a:bodyPr/>
-                    <a:lstStyle/>
-                    <a:p>
-                      <a:pPr algn="l" marL="50800" marR="50800">
-                        <a:lnSpc>
-                          <a:spcPct val="100000"/>
-                        </a:lnSpc>
-                        <a:spcBef>
-                          <a:spcPts val="400"/>
-                        </a:spcBef>
-                        <a:spcAft>
-                          <a:spcPts val="400"/>
-                        </a:spcAft>
-                        <a:buNone/>
-                      </a:pPr>
-                      <a:r>
-                        <a:rPr cap="none" sz="1000" i="0" b="0" u="none">
-                          <a:solidFill>
-                            <a:srgbClr val="000000">
-                              <a:alpha val="100000"/>
-                            </a:srgbClr>
-                          </a:solidFill>
-                          <a:latin typeface="Times New Roman"/>
-                          <a:cs typeface="Arial"/>
-                          <a:ea typeface="Arial"/>
-                          <a:sym typeface="Arial"/>
-                        </a:rPr>
-                        <a:t>0.311</a:t>
                       </a:r>
                     </a:p>
                   </a:txBody>
